--- a/Day01/Day01_Intro.pptx
+++ b/Day01/Day01_Intro.pptx
@@ -5,7 +5,7 @@
     <p:sldMasterId id="2147483648" r:id="rId1"/>
   </p:sldMasterIdLst>
   <p:notesMasterIdLst>
-    <p:notesMasterId r:id="rId50"/>
+    <p:notesMasterId r:id="rId49"/>
   </p:notesMasterIdLst>
   <p:sldIdLst>
     <p:sldId id="257" r:id="rId2"/>
@@ -22,40 +22,39 @@
     <p:sldId id="341" r:id="rId13"/>
     <p:sldId id="266" r:id="rId14"/>
     <p:sldId id="267" r:id="rId15"/>
-    <p:sldId id="342" r:id="rId16"/>
-    <p:sldId id="299" r:id="rId17"/>
-    <p:sldId id="270" r:id="rId18"/>
-    <p:sldId id="337" r:id="rId19"/>
-    <p:sldId id="271" r:id="rId20"/>
-    <p:sldId id="272" r:id="rId21"/>
-    <p:sldId id="273" r:id="rId22"/>
-    <p:sldId id="275" r:id="rId23"/>
-    <p:sldId id="276" r:id="rId24"/>
-    <p:sldId id="315" r:id="rId25"/>
-    <p:sldId id="309" r:id="rId26"/>
-    <p:sldId id="333" r:id="rId27"/>
-    <p:sldId id="310" r:id="rId28"/>
-    <p:sldId id="311" r:id="rId29"/>
-    <p:sldId id="314" r:id="rId30"/>
-    <p:sldId id="313" r:id="rId31"/>
-    <p:sldId id="279" r:id="rId32"/>
-    <p:sldId id="280" r:id="rId33"/>
-    <p:sldId id="282" r:id="rId34"/>
-    <p:sldId id="316" r:id="rId35"/>
-    <p:sldId id="284" r:id="rId36"/>
-    <p:sldId id="285" r:id="rId37"/>
-    <p:sldId id="286" r:id="rId38"/>
-    <p:sldId id="287" r:id="rId39"/>
-    <p:sldId id="319" r:id="rId40"/>
-    <p:sldId id="320" r:id="rId41"/>
-    <p:sldId id="321" r:id="rId42"/>
-    <p:sldId id="288" r:id="rId43"/>
-    <p:sldId id="289" r:id="rId44"/>
-    <p:sldId id="336" r:id="rId45"/>
-    <p:sldId id="317" r:id="rId46"/>
-    <p:sldId id="318" r:id="rId47"/>
-    <p:sldId id="293" r:id="rId48"/>
-    <p:sldId id="294" r:id="rId49"/>
+    <p:sldId id="299" r:id="rId16"/>
+    <p:sldId id="270" r:id="rId17"/>
+    <p:sldId id="337" r:id="rId18"/>
+    <p:sldId id="271" r:id="rId19"/>
+    <p:sldId id="272" r:id="rId20"/>
+    <p:sldId id="273" r:id="rId21"/>
+    <p:sldId id="275" r:id="rId22"/>
+    <p:sldId id="276" r:id="rId23"/>
+    <p:sldId id="315" r:id="rId24"/>
+    <p:sldId id="309" r:id="rId25"/>
+    <p:sldId id="333" r:id="rId26"/>
+    <p:sldId id="310" r:id="rId27"/>
+    <p:sldId id="311" r:id="rId28"/>
+    <p:sldId id="314" r:id="rId29"/>
+    <p:sldId id="313" r:id="rId30"/>
+    <p:sldId id="279" r:id="rId31"/>
+    <p:sldId id="280" r:id="rId32"/>
+    <p:sldId id="282" r:id="rId33"/>
+    <p:sldId id="316" r:id="rId34"/>
+    <p:sldId id="284" r:id="rId35"/>
+    <p:sldId id="285" r:id="rId36"/>
+    <p:sldId id="286" r:id="rId37"/>
+    <p:sldId id="287" r:id="rId38"/>
+    <p:sldId id="319" r:id="rId39"/>
+    <p:sldId id="320" r:id="rId40"/>
+    <p:sldId id="321" r:id="rId41"/>
+    <p:sldId id="288" r:id="rId42"/>
+    <p:sldId id="289" r:id="rId43"/>
+    <p:sldId id="336" r:id="rId44"/>
+    <p:sldId id="317" r:id="rId45"/>
+    <p:sldId id="318" r:id="rId46"/>
+    <p:sldId id="293" r:id="rId47"/>
+    <p:sldId id="294" r:id="rId48"/>
   </p:sldIdLst>
   <p:sldSz cx="12192000" cy="6858000"/>
   <p:notesSz cx="6858000" cy="9144000"/>
@@ -173,7 +172,6 @@
             <p14:sldId id="341"/>
             <p14:sldId id="266"/>
             <p14:sldId id="267"/>
-            <p14:sldId id="342"/>
             <p14:sldId id="299"/>
             <p14:sldId id="270"/>
             <p14:sldId id="337"/>
@@ -311,7 +309,7 @@
           <a:p>
             <a:fld id="{ADB8A9A7-2F8A-8542-A5B3-1DCBE9DCB46D}" type="datetimeFigureOut">
               <a:rPr lang="en-US" smtClean="0"/>
-              <a:t>8/16/18</a:t>
+              <a:t>9/4/18</a:t>
             </a:fld>
             <a:endParaRPr lang="en-US"/>
           </a:p>
@@ -702,7 +700,7 @@
             <a:fld id="{E1281435-C3BB-4124-8E91-FEFD045DB9DA}" type="slidenum">
               <a:rPr lang="en-US"/>
               <a:pPr/>
-              <a:t>17</a:t>
+              <a:t>16</a:t>
             </a:fld>
             <a:endParaRPr lang="en-US"/>
           </a:p>
@@ -791,7 +789,7 @@
             <a:fld id="{E1281435-C3BB-4124-8E91-FEFD045DB9DA}" type="slidenum">
               <a:rPr lang="en-US"/>
               <a:pPr/>
-              <a:t>18</a:t>
+              <a:t>17</a:t>
             </a:fld>
             <a:endParaRPr lang="en-US"/>
           </a:p>
@@ -911,7 +909,7 @@
             <a:fld id="{8807C9EC-6344-46D0-ADA9-294A7D3D533F}" type="slidenum">
               <a:rPr lang="en-US" smtClean="0"/>
               <a:pPr/>
-              <a:t>21</a:t>
+              <a:t>20</a:t>
             </a:fld>
             <a:endParaRPr lang="en-US"/>
           </a:p>
@@ -995,7 +993,7 @@
           <a:p>
             <a:fld id="{1421345F-47DA-8D41-A25D-7C1673F27225}" type="slidenum">
               <a:rPr lang="en-US" smtClean="0"/>
-              <a:t>22</a:t>
+              <a:t>21</a:t>
             </a:fld>
             <a:endParaRPr lang="en-US"/>
           </a:p>
@@ -1079,7 +1077,7 @@
           <a:p>
             <a:fld id="{1421345F-47DA-8D41-A25D-7C1673F27225}" type="slidenum">
               <a:rPr lang="en-US" smtClean="0"/>
-              <a:t>23</a:t>
+              <a:t>22</a:t>
             </a:fld>
             <a:endParaRPr lang="en-US"/>
           </a:p>
@@ -1163,7 +1161,7 @@
           <a:p>
             <a:fld id="{1421345F-47DA-8D41-A25D-7C1673F27225}" type="slidenum">
               <a:rPr lang="en-US" smtClean="0"/>
-              <a:t>26</a:t>
+              <a:t>25</a:t>
             </a:fld>
             <a:endParaRPr lang="en-US"/>
           </a:p>
@@ -1250,7 +1248,7 @@
             <a:fld id="{8807C9EC-6344-46D0-ADA9-294A7D3D533F}" type="slidenum">
               <a:rPr lang="en-US" smtClean="0"/>
               <a:pPr/>
-              <a:t>30</a:t>
+              <a:t>29</a:t>
             </a:fld>
             <a:endParaRPr lang="en-US"/>
           </a:p>
@@ -1337,7 +1335,7 @@
             <a:fld id="{8807C9EC-6344-46D0-ADA9-294A7D3D533F}" type="slidenum">
               <a:rPr lang="en-US" smtClean="0"/>
               <a:pPr/>
-              <a:t>31</a:t>
+              <a:t>30</a:t>
             </a:fld>
             <a:endParaRPr lang="en-US"/>
           </a:p>
@@ -1393,7 +1391,7 @@
             <a:fld id="{B001381C-9C24-429D-B71A-A8E64D7896FB}" type="slidenum">
               <a:rPr lang="en-US"/>
               <a:pPr/>
-              <a:t>32</a:t>
+              <a:t>31</a:t>
             </a:fld>
             <a:endParaRPr lang="en-US"/>
           </a:p>
@@ -1513,7 +1511,7 @@
             <a:fld id="{8807C9EC-6344-46D0-ADA9-294A7D3D533F}" type="slidenum">
               <a:rPr lang="en-US" smtClean="0"/>
               <a:pPr/>
-              <a:t>33</a:t>
+              <a:t>32</a:t>
             </a:fld>
             <a:endParaRPr lang="en-US"/>
           </a:p>
@@ -1687,7 +1685,7 @@
             <a:fld id="{8807C9EC-6344-46D0-ADA9-294A7D3D533F}" type="slidenum">
               <a:rPr lang="en-US" smtClean="0"/>
               <a:pPr/>
-              <a:t>35</a:t>
+              <a:t>34</a:t>
             </a:fld>
             <a:endParaRPr lang="en-US"/>
           </a:p>
@@ -1774,7 +1772,7 @@
             <a:fld id="{8807C9EC-6344-46D0-ADA9-294A7D3D533F}" type="slidenum">
               <a:rPr lang="en-US" smtClean="0"/>
               <a:pPr/>
-              <a:t>36</a:t>
+              <a:t>35</a:t>
             </a:fld>
             <a:endParaRPr lang="en-US"/>
           </a:p>
@@ -1861,7 +1859,7 @@
             <a:fld id="{8807C9EC-6344-46D0-ADA9-294A7D3D533F}" type="slidenum">
               <a:rPr lang="en-US" smtClean="0"/>
               <a:pPr/>
-              <a:t>37</a:t>
+              <a:t>36</a:t>
             </a:fld>
             <a:endParaRPr lang="en-US"/>
           </a:p>
@@ -1948,7 +1946,7 @@
             <a:fld id="{8807C9EC-6344-46D0-ADA9-294A7D3D533F}" type="slidenum">
               <a:rPr lang="en-US" smtClean="0"/>
               <a:pPr/>
-              <a:t>38</a:t>
+              <a:t>37</a:t>
             </a:fld>
             <a:endParaRPr lang="en-US"/>
           </a:p>
@@ -2035,7 +2033,7 @@
             <a:fld id="{8807C9EC-6344-46D0-ADA9-294A7D3D533F}" type="slidenum">
               <a:rPr lang="en-US" smtClean="0"/>
               <a:pPr/>
-              <a:t>41</a:t>
+              <a:t>40</a:t>
             </a:fld>
             <a:endParaRPr lang="en-US"/>
           </a:p>
@@ -2122,7 +2120,7 @@
             <a:fld id="{8807C9EC-6344-46D0-ADA9-294A7D3D533F}" type="slidenum">
               <a:rPr lang="en-US" smtClean="0"/>
               <a:pPr/>
-              <a:t>42</a:t>
+              <a:t>41</a:t>
             </a:fld>
             <a:endParaRPr lang="en-US"/>
           </a:p>
@@ -2209,7 +2207,7 @@
             <a:fld id="{8807C9EC-6344-46D0-ADA9-294A7D3D533F}" type="slidenum">
               <a:rPr lang="en-US" smtClean="0"/>
               <a:pPr/>
-              <a:t>43</a:t>
+              <a:t>42</a:t>
             </a:fld>
             <a:endParaRPr lang="en-US"/>
           </a:p>
@@ -2296,7 +2294,7 @@
             <a:fld id="{8807C9EC-6344-46D0-ADA9-294A7D3D533F}" type="slidenum">
               <a:rPr lang="en-US" smtClean="0"/>
               <a:pPr/>
-              <a:t>44</a:t>
+              <a:t>43</a:t>
             </a:fld>
             <a:endParaRPr lang="en-US"/>
           </a:p>
@@ -2383,7 +2381,7 @@
             <a:fld id="{8807C9EC-6344-46D0-ADA9-294A7D3D533F}" type="slidenum">
               <a:rPr lang="en-US" smtClean="0"/>
               <a:pPr/>
-              <a:t>45</a:t>
+              <a:t>44</a:t>
             </a:fld>
             <a:endParaRPr lang="en-US"/>
           </a:p>
@@ -2470,7 +2468,7 @@
             <a:fld id="{8807C9EC-6344-46D0-ADA9-294A7D3D533F}" type="slidenum">
               <a:rPr lang="en-US" smtClean="0"/>
               <a:pPr/>
-              <a:t>46</a:t>
+              <a:t>45</a:t>
             </a:fld>
             <a:endParaRPr lang="en-US"/>
           </a:p>
@@ -2644,7 +2642,7 @@
             <a:fld id="{8807C9EC-6344-46D0-ADA9-294A7D3D533F}" type="slidenum">
               <a:rPr lang="en-US" smtClean="0"/>
               <a:pPr/>
-              <a:t>47</a:t>
+              <a:t>46</a:t>
             </a:fld>
             <a:endParaRPr lang="en-US"/>
           </a:p>
@@ -2731,7 +2729,7 @@
             <a:fld id="{8807C9EC-6344-46D0-ADA9-294A7D3D533F}" type="slidenum">
               <a:rPr lang="en-US" smtClean="0"/>
               <a:pPr/>
-              <a:t>48</a:t>
+              <a:t>47</a:t>
             </a:fld>
             <a:endParaRPr lang="en-US"/>
           </a:p>
@@ -3398,7 +3396,7 @@
           <a:p>
             <a:fld id="{C7F75508-BB0A-464D-ADEF-3A0075ABE227}" type="datetime1">
               <a:rPr lang="en-US" smtClean="0"/>
-              <a:t>8/16/18</a:t>
+              <a:t>9/4/18</a:t>
             </a:fld>
             <a:endParaRPr lang="en-US"/>
           </a:p>
@@ -3566,7 +3564,7 @@
           <a:p>
             <a:fld id="{C16159A3-DF54-4C46-A244-9A1C3258A5D5}" type="datetime1">
               <a:rPr lang="en-US" smtClean="0"/>
-              <a:t>8/16/18</a:t>
+              <a:t>9/4/18</a:t>
             </a:fld>
             <a:endParaRPr lang="en-US"/>
           </a:p>
@@ -3744,7 +3742,7 @@
           <a:p>
             <a:fld id="{B3E23A13-4A4C-C245-A282-B82029FF14A9}" type="datetime1">
               <a:rPr lang="en-US" smtClean="0"/>
-              <a:t>8/16/18</a:t>
+              <a:t>9/4/18</a:t>
             </a:fld>
             <a:endParaRPr lang="en-US"/>
           </a:p>
@@ -3912,7 +3910,7 @@
           <a:p>
             <a:fld id="{F1FDBABF-E9B9-0B48-88BB-0E26979FE3C3}" type="datetime1">
               <a:rPr lang="en-US" smtClean="0"/>
-              <a:t>8/16/18</a:t>
+              <a:t>9/4/18</a:t>
             </a:fld>
             <a:endParaRPr lang="en-US"/>
           </a:p>
@@ -4157,7 +4155,7 @@
           <a:p>
             <a:fld id="{670FF0DC-4CC6-E74B-ADE9-A3A724E54A70}" type="datetime1">
               <a:rPr lang="en-US" smtClean="0"/>
-              <a:t>8/16/18</a:t>
+              <a:t>9/4/18</a:t>
             </a:fld>
             <a:endParaRPr lang="en-US"/>
           </a:p>
@@ -4386,7 +4384,7 @@
           <a:p>
             <a:fld id="{096CA4E7-51A4-4043-B144-32E78EB53B2F}" type="datetime1">
               <a:rPr lang="en-US" smtClean="0"/>
-              <a:t>8/16/18</a:t>
+              <a:t>9/4/18</a:t>
             </a:fld>
             <a:endParaRPr lang="en-US"/>
           </a:p>
@@ -4750,7 +4748,7 @@
           <a:p>
             <a:fld id="{BEA253EF-D8E3-0440-8139-36EEB92428E3}" type="datetime1">
               <a:rPr lang="en-US" smtClean="0"/>
-              <a:t>8/16/18</a:t>
+              <a:t>9/4/18</a:t>
             </a:fld>
             <a:endParaRPr lang="en-US"/>
           </a:p>
@@ -4867,7 +4865,7 @@
           <a:p>
             <a:fld id="{13FA77A2-9965-7C42-98E1-8D5C145B4EDB}" type="datetime1">
               <a:rPr lang="en-US" smtClean="0"/>
-              <a:t>8/16/18</a:t>
+              <a:t>9/4/18</a:t>
             </a:fld>
             <a:endParaRPr lang="en-US"/>
           </a:p>
@@ -4962,7 +4960,7 @@
           <a:p>
             <a:fld id="{6A307D39-643B-3A4B-8B1B-C9B22069A6E3}" type="datetime1">
               <a:rPr lang="en-US" smtClean="0"/>
-              <a:t>8/16/18</a:t>
+              <a:t>9/4/18</a:t>
             </a:fld>
             <a:endParaRPr lang="en-US"/>
           </a:p>
@@ -5237,7 +5235,7 @@
           <a:p>
             <a:fld id="{B2591225-698E-4144-BE2D-C0FAD87E1DE5}" type="datetime1">
               <a:rPr lang="en-US" smtClean="0"/>
-              <a:t>8/16/18</a:t>
+              <a:t>9/4/18</a:t>
             </a:fld>
             <a:endParaRPr lang="en-US"/>
           </a:p>
@@ -5489,7 +5487,7 @@
           <a:p>
             <a:fld id="{8092CE43-A1E8-1340-A845-87D6176A44FB}" type="datetime1">
               <a:rPr lang="en-US" smtClean="0"/>
-              <a:t>8/16/18</a:t>
+              <a:t>9/4/18</a:t>
             </a:fld>
             <a:endParaRPr lang="en-US"/>
           </a:p>
@@ -5700,7 +5698,7 @@
           <a:p>
             <a:fld id="{32E80DAD-0F0E-1C48-9551-E0290ADDD356}" type="datetime1">
               <a:rPr lang="en-US" smtClean="0"/>
-              <a:t>8/16/18</a:t>
+              <a:t>9/4/18</a:t>
             </a:fld>
             <a:endParaRPr lang="en-US"/>
           </a:p>
@@ -6123,13 +6121,6 @@
           </a:bodyPr>
           <a:lstStyle/>
           <a:p>
-            <a:r>
-              <a:rPr lang="en-US" dirty="0"/>
-              <a:t>CS145: </a:t>
-            </a:r>
-            <a:br>
-              <a:rPr lang="en-US" dirty="0"/>
-            </a:br>
             <a:r>
               <a:rPr lang="en-US" dirty="0"/>
               <a:t>Intro to Databases</a:t>
@@ -7767,145 +7758,6 @@
           <a:bodyPr/>
           <a:lstStyle/>
           <a:p>
-            <a:endParaRPr lang="en-US" dirty="0"/>
-          </a:p>
-        </p:txBody>
-      </p:sp>
-      <p:sp>
-        <p:nvSpPr>
-          <p:cNvPr id="3" name="Content Placeholder 2"/>
-          <p:cNvSpPr>
-            <a:spLocks noGrp="1"/>
-          </p:cNvSpPr>
-          <p:nvPr>
-            <p:ph idx="1"/>
-          </p:nvPr>
-        </p:nvSpPr>
-        <p:spPr/>
-        <p:txBody>
-          <a:bodyPr/>
-          <a:lstStyle/>
-          <a:p>
-            <a:endParaRPr lang="en-US" dirty="0"/>
-          </a:p>
-        </p:txBody>
-      </p:sp>
-      <p:sp>
-        <p:nvSpPr>
-          <p:cNvPr id="4" name="Slide Number Placeholder 3"/>
-          <p:cNvSpPr>
-            <a:spLocks noGrp="1"/>
-          </p:cNvSpPr>
-          <p:nvPr>
-            <p:ph type="sldNum" sz="quarter" idx="12"/>
-          </p:nvPr>
-        </p:nvSpPr>
-        <p:spPr/>
-        <p:txBody>
-          <a:bodyPr/>
-          <a:lstStyle/>
-          <a:p>
-            <a:fld id="{40A01959-B587-3B45-A9B3-C17F42F09305}" type="slidenum">
-              <a:rPr lang="en-US" smtClean="0"/>
-              <a:t>15</a:t>
-            </a:fld>
-            <a:endParaRPr lang="en-US"/>
-          </a:p>
-        </p:txBody>
-      </p:sp>
-      <p:pic>
-        <p:nvPicPr>
-          <p:cNvPr id="5" name="Picture 4"/>
-          <p:cNvPicPr>
-            <a:picLocks noChangeAspect="1"/>
-          </p:cNvPicPr>
-          <p:nvPr/>
-        </p:nvPicPr>
-        <p:blipFill>
-          <a:blip r:embed="rId2"/>
-          <a:stretch>
-            <a:fillRect/>
-          </a:stretch>
-        </p:blipFill>
-        <p:spPr>
-          <a:xfrm>
-            <a:off x="6296" y="0"/>
-            <a:ext cx="8604304" cy="6858000"/>
-          </a:xfrm>
-          <a:prstGeom prst="rect">
-            <a:avLst/>
-          </a:prstGeom>
-        </p:spPr>
-      </p:pic>
-      <p:pic>
-        <p:nvPicPr>
-          <p:cNvPr id="6" name="Picture 5"/>
-          <p:cNvPicPr>
-            <a:picLocks noChangeAspect="1"/>
-          </p:cNvPicPr>
-          <p:nvPr/>
-        </p:nvPicPr>
-        <p:blipFill>
-          <a:blip r:embed="rId3"/>
-          <a:stretch>
-            <a:fillRect/>
-          </a:stretch>
-        </p:blipFill>
-        <p:spPr>
-          <a:xfrm>
-            <a:off x="2884714" y="4918075"/>
-            <a:ext cx="7874000" cy="1803400"/>
-          </a:xfrm>
-          <a:prstGeom prst="rect">
-            <a:avLst/>
-          </a:prstGeom>
-        </p:spPr>
-      </p:pic>
-    </p:spTree>
-    <p:extLst>
-      <p:ext uri="{BB962C8B-B14F-4D97-AF65-F5344CB8AC3E}">
-        <p14:creationId xmlns:p14="http://schemas.microsoft.com/office/powerpoint/2010/main" val="877044817"/>
-      </p:ext>
-    </p:extLst>
-  </p:cSld>
-  <p:clrMapOvr>
-    <a:masterClrMapping/>
-  </p:clrMapOvr>
-</p:sld>
-</file>
-
-<file path=ppt/slides/slide16.xml><?xml version="1.0" encoding="utf-8"?>
-<p:sld xmlns:a="http://schemas.openxmlformats.org/drawingml/2006/main" xmlns:r="http://schemas.openxmlformats.org/officeDocument/2006/relationships" xmlns:p="http://schemas.openxmlformats.org/presentationml/2006/main">
-  <p:cSld>
-    <p:spTree>
-      <p:nvGrpSpPr>
-        <p:cNvPr id="1" name=""/>
-        <p:cNvGrpSpPr/>
-        <p:nvPr/>
-      </p:nvGrpSpPr>
-      <p:grpSpPr>
-        <a:xfrm>
-          <a:off x="0" y="0"/>
-          <a:ext cx="0" cy="0"/>
-          <a:chOff x="0" y="0"/>
-          <a:chExt cx="0" cy="0"/>
-        </a:xfrm>
-      </p:grpSpPr>
-      <p:sp>
-        <p:nvSpPr>
-          <p:cNvPr id="2" name="Title 1"/>
-          <p:cNvSpPr>
-            <a:spLocks noGrp="1"/>
-          </p:cNvSpPr>
-          <p:nvPr>
-            <p:ph type="title"/>
-          </p:nvPr>
-        </p:nvSpPr>
-        <p:spPr/>
-        <p:txBody>
-          <a:bodyPr/>
-          <a:lstStyle/>
-          <a:p>
             <a:r>
               <a:rPr lang="en-US" dirty="0"/>
               <a:t>Course Website: </a:t>
@@ -7943,7 +7795,7 @@
           <a:p>
             <a:fld id="{40A01959-B587-3B45-A9B3-C17F42F09305}" type="slidenum">
               <a:rPr lang="en-US" smtClean="0"/>
-              <a:t>16</a:t>
+              <a:t>15</a:t>
             </a:fld>
             <a:endParaRPr lang="en-US"/>
           </a:p>
@@ -8068,7 +7920,7 @@
 </p:sld>
 </file>
 
-<file path=ppt/slides/slide17.xml><?xml version="1.0" encoding="utf-8"?>
+<file path=ppt/slides/slide16.xml><?xml version="1.0" encoding="utf-8"?>
 <p:sld xmlns:a="http://schemas.openxmlformats.org/drawingml/2006/main" xmlns:r="http://schemas.openxmlformats.org/officeDocument/2006/relationships" xmlns:p="http://schemas.openxmlformats.org/presentationml/2006/main">
   <p:cSld>
     <p:spTree>
@@ -8103,7 +7955,7 @@
             <a:fld id="{4ECC996B-F719-4B60-BB91-679F33C4CCC7}" type="slidenum">
               <a:rPr lang="en-US"/>
               <a:pPr/>
-              <a:t>17</a:t>
+              <a:t>16</a:t>
             </a:fld>
             <a:endParaRPr lang="en-US"/>
           </a:p>
@@ -8542,7 +8394,7 @@
 </p:sld>
 </file>
 
-<file path=ppt/slides/slide18.xml><?xml version="1.0" encoding="utf-8"?>
+<file path=ppt/slides/slide17.xml><?xml version="1.0" encoding="utf-8"?>
 <p:sld xmlns:a="http://schemas.openxmlformats.org/drawingml/2006/main" xmlns:r="http://schemas.openxmlformats.org/officeDocument/2006/relationships" xmlns:p="http://schemas.openxmlformats.org/presentationml/2006/main">
   <p:cSld>
     <p:spTree>
@@ -8577,7 +8429,7 @@
             <a:fld id="{4ECC996B-F719-4B60-BB91-679F33C4CCC7}" type="slidenum">
               <a:rPr lang="en-US"/>
               <a:pPr/>
-              <a:t>18</a:t>
+              <a:t>17</a:t>
             </a:fld>
             <a:endParaRPr lang="en-US"/>
           </a:p>
@@ -8985,7 +8837,7 @@
 </p:sld>
 </file>
 
-<file path=ppt/slides/slide19.xml><?xml version="1.0" encoding="utf-8"?>
+<file path=ppt/slides/slide18.xml><?xml version="1.0" encoding="utf-8"?>
 <p:sld xmlns:a="http://schemas.openxmlformats.org/drawingml/2006/main" xmlns:r="http://schemas.openxmlformats.org/officeDocument/2006/relationships" xmlns:p="http://schemas.openxmlformats.org/presentationml/2006/main">
   <p:cSld>
     <p:spTree>
@@ -9102,7 +8954,7 @@
             <a:fld id="{DF92A6B5-0D7C-48A8-B49A-953CF10F77E3}" type="slidenum">
               <a:rPr lang="en-US" smtClean="0"/>
               <a:pPr/>
-              <a:t>19</a:t>
+              <a:t>18</a:t>
             </a:fld>
             <a:endParaRPr lang="en-US"/>
           </a:p>
@@ -9271,7 +9123,7 @@
 </p:sld>
 </file>
 
-<file path=ppt/slides/slide2.xml><?xml version="1.0" encoding="utf-8"?>
+<file path=ppt/slides/slide19.xml><?xml version="1.0" encoding="utf-8"?>
 <p:sld xmlns:a="http://schemas.openxmlformats.org/drawingml/2006/main" xmlns:r="http://schemas.openxmlformats.org/officeDocument/2006/relationships" xmlns:p="http://schemas.openxmlformats.org/presentationml/2006/main">
   <p:cSld>
     <p:spTree>
@@ -9298,31 +9150,97 @@
             <p:ph type="title"/>
           </p:nvPr>
         </p:nvSpPr>
-        <p:spPr>
-          <a:xfrm>
-            <a:off x="838200" y="588063"/>
-            <a:ext cx="10515600" cy="2852737"/>
-          </a:xfrm>
-        </p:spPr>
+        <p:spPr/>
         <p:txBody>
           <a:bodyPr/>
           <a:lstStyle/>
           <a:p>
             <a:r>
               <a:rPr lang="en-US" dirty="0"/>
-              <a:t>The world is increasingly</a:t>
-            </a:r>
-            <a:r>
-              <a:rPr lang="en-US" b="1" dirty="0"/>
-              <a:t> </a:t>
-            </a:r>
-            <a:br>
-              <a:rPr lang="en-US" b="1" dirty="0"/>
-            </a:br>
-            <a:r>
-              <a:rPr lang="en-US" b="1" dirty="0"/>
-              <a:t>driven by data… </a:t>
-            </a:r>
+              <a:t>Un-Graded Elements</a:t>
+            </a:r>
+          </a:p>
+        </p:txBody>
+      </p:sp>
+      <p:sp>
+        <p:nvSpPr>
+          <p:cNvPr id="3" name="Content Placeholder 2"/>
+          <p:cNvSpPr>
+            <a:spLocks noGrp="1"/>
+          </p:cNvSpPr>
+          <p:nvPr>
+            <p:ph idx="1"/>
+          </p:nvPr>
+        </p:nvSpPr>
+        <p:spPr/>
+        <p:txBody>
+          <a:bodyPr>
+            <a:normAutofit/>
+          </a:bodyPr>
+          <a:lstStyle/>
+          <a:p>
+            <a:r>
+              <a:rPr lang="en-US" dirty="0"/>
+              <a:t>Readings provided to help you!</a:t>
+            </a:r>
+          </a:p>
+          <a:p>
+            <a:pPr lvl="1"/>
+            <a:r>
+              <a:rPr lang="en-US" dirty="0"/>
+              <a:t>Only items in lecture, homework, or project are fair game.</a:t>
+            </a:r>
+          </a:p>
+          <a:p>
+            <a:pPr lvl="1"/>
+            <a:endParaRPr lang="en-US" dirty="0"/>
+          </a:p>
+          <a:p>
+            <a:r>
+              <a:rPr lang="en-US" dirty="0"/>
+              <a:t>Activities are again mainly to help / be fun!</a:t>
+            </a:r>
+          </a:p>
+          <a:p>
+            <a:pPr lvl="1"/>
+            <a:r>
+              <a:rPr lang="en-US" dirty="0"/>
+              <a:t>Will occur during class- not graded, but count as part of lecture material (fair game as well)</a:t>
+            </a:r>
+          </a:p>
+          <a:p>
+            <a:pPr marL="0" indent="0">
+              <a:buNone/>
+            </a:pPr>
+            <a:endParaRPr lang="en-US" dirty="0"/>
+          </a:p>
+          <a:p>
+            <a:r>
+              <a:rPr lang="en-US" dirty="0" err="1"/>
+              <a:t>Jupyter</a:t>
+            </a:r>
+            <a:r>
+              <a:rPr lang="en-US" dirty="0"/>
+              <a:t> Notebooks provided</a:t>
+            </a:r>
+          </a:p>
+          <a:p>
+            <a:pPr lvl="1"/>
+            <a:r>
+              <a:rPr lang="en-US" dirty="0"/>
+              <a:t>These are optional but hopefully helpful.</a:t>
+            </a:r>
+          </a:p>
+          <a:p>
+            <a:pPr lvl="1"/>
+            <a:r>
+              <a:rPr lang="en-US" dirty="0"/>
+              <a:t>Redesigned so that you can ‘interactively replay’ parts of lecture</a:t>
+            </a:r>
+          </a:p>
+          <a:p>
+            <a:pPr lvl="1"/>
+            <a:endParaRPr lang="en-US" dirty="0"/>
           </a:p>
         </p:txBody>
       </p:sp>
@@ -9341,277 +9259,10 @@
           <a:bodyPr/>
           <a:lstStyle/>
           <a:p>
-            <a:fld id="{40A01959-B587-3B45-A9B3-C17F42F09305}" type="slidenum">
-              <a:rPr lang="en-US" smtClean="0"/>
-              <a:t>2</a:t>
-            </a:fld>
-            <a:endParaRPr lang="en-US"/>
-          </a:p>
-        </p:txBody>
-      </p:sp>
-      <p:sp>
-        <p:nvSpPr>
-          <p:cNvPr id="5" name="Title 1"/>
-          <p:cNvSpPr txBox="1">
-            <a:spLocks/>
-          </p:cNvSpPr>
-          <p:nvPr/>
-        </p:nvSpPr>
-        <p:spPr>
-          <a:xfrm>
-            <a:off x="838200" y="3503613"/>
-            <a:ext cx="10515600" cy="2852737"/>
-          </a:xfrm>
-          <a:prstGeom prst="rect">
-            <a:avLst/>
-          </a:prstGeom>
-        </p:spPr>
-        <p:txBody>
-          <a:bodyPr vert="horz" lIns="91440" tIns="45720" rIns="91440" bIns="45720" rtlCol="0" anchor="b">
-            <a:normAutofit/>
-          </a:bodyPr>
-          <a:lstStyle>
-            <a:lvl1pPr algn="l" defTabSz="914400" rtl="0" eaLnBrk="1" latinLnBrk="0" hangingPunct="1">
-              <a:lnSpc>
-                <a:spcPct val="90000"/>
-              </a:lnSpc>
-              <a:spcBef>
-                <a:spcPct val="0"/>
-              </a:spcBef>
-              <a:buNone/>
-              <a:defRPr sz="6000" kern="1200">
-                <a:solidFill>
-                  <a:schemeClr val="tx1"/>
-                </a:solidFill>
-                <a:latin typeface="+mj-lt"/>
-                <a:ea typeface="+mj-ea"/>
-                <a:cs typeface="+mj-cs"/>
-              </a:defRPr>
-            </a:lvl1pPr>
-          </a:lstStyle>
-          <a:p>
-            <a:r>
-              <a:rPr lang="en-US" dirty="0"/>
-              <a:t>This class teaches </a:t>
-            </a:r>
-            <a:r>
-              <a:rPr lang="en-US" b="1" dirty="0"/>
-              <a:t>the basics </a:t>
-            </a:r>
-            <a:r>
-              <a:rPr lang="en-US" dirty="0"/>
-              <a:t>of how to use &amp; manage data.</a:t>
-            </a:r>
-          </a:p>
-        </p:txBody>
-      </p:sp>
-      <p:sp>
-        <p:nvSpPr>
-          <p:cNvPr id="6" name="Rectangle 5"/>
-          <p:cNvSpPr/>
-          <p:nvPr/>
-        </p:nvSpPr>
-        <p:spPr>
-          <a:xfrm>
-            <a:off x="0" y="0"/>
-            <a:ext cx="12192000" cy="262759"/>
-          </a:xfrm>
-          <a:prstGeom prst="rect">
-            <a:avLst/>
-          </a:prstGeom>
-          <a:solidFill>
-            <a:schemeClr val="bg2"/>
-          </a:solidFill>
-          <a:ln>
-            <a:noFill/>
-          </a:ln>
-        </p:spPr>
-        <p:style>
-          <a:lnRef idx="2">
-            <a:schemeClr val="accent1">
-              <a:shade val="50000"/>
-            </a:schemeClr>
-          </a:lnRef>
-          <a:fillRef idx="1">
-            <a:schemeClr val="accent1"/>
-          </a:fillRef>
-          <a:effectRef idx="0">
-            <a:schemeClr val="accent1"/>
-          </a:effectRef>
-          <a:fontRef idx="minor">
-            <a:schemeClr val="lt1"/>
-          </a:fontRef>
-        </p:style>
-        <p:txBody>
-          <a:bodyPr rtlCol="0" anchor="ctr"/>
-          <a:lstStyle/>
-          <a:p>
-            <a:pPr algn="r"/>
-            <a:endParaRPr lang="en-US" sz="1400" b="1" i="1" dirty="0">
-              <a:solidFill>
-                <a:schemeClr val="tx1">
-                  <a:lumMod val="65000"/>
-                  <a:lumOff val="35000"/>
-                </a:schemeClr>
-              </a:solidFill>
-              <a:latin typeface="+mj-lt"/>
-            </a:endParaRPr>
-          </a:p>
-        </p:txBody>
-      </p:sp>
-    </p:spTree>
-    <p:extLst>
-      <p:ext uri="{BB962C8B-B14F-4D97-AF65-F5344CB8AC3E}">
-        <p14:creationId xmlns:p14="http://schemas.microsoft.com/office/powerpoint/2010/main" val="1713732204"/>
-      </p:ext>
-    </p:extLst>
-  </p:cSld>
-  <p:clrMapOvr>
-    <a:masterClrMapping/>
-  </p:clrMapOvr>
-</p:sld>
-</file>
-
-<file path=ppt/slides/slide20.xml><?xml version="1.0" encoding="utf-8"?>
-<p:sld xmlns:a="http://schemas.openxmlformats.org/drawingml/2006/main" xmlns:r="http://schemas.openxmlformats.org/officeDocument/2006/relationships" xmlns:p="http://schemas.openxmlformats.org/presentationml/2006/main">
-  <p:cSld>
-    <p:spTree>
-      <p:nvGrpSpPr>
-        <p:cNvPr id="1" name=""/>
-        <p:cNvGrpSpPr/>
-        <p:nvPr/>
-      </p:nvGrpSpPr>
-      <p:grpSpPr>
-        <a:xfrm>
-          <a:off x="0" y="0"/>
-          <a:ext cx="0" cy="0"/>
-          <a:chOff x="0" y="0"/>
-          <a:chExt cx="0" cy="0"/>
-        </a:xfrm>
-      </p:grpSpPr>
-      <p:sp>
-        <p:nvSpPr>
-          <p:cNvPr id="2" name="Title 1"/>
-          <p:cNvSpPr>
-            <a:spLocks noGrp="1"/>
-          </p:cNvSpPr>
-          <p:nvPr>
-            <p:ph type="title"/>
-          </p:nvPr>
-        </p:nvSpPr>
-        <p:spPr/>
-        <p:txBody>
-          <a:bodyPr/>
-          <a:lstStyle/>
-          <a:p>
-            <a:r>
-              <a:rPr lang="en-US" dirty="0"/>
-              <a:t>Un-Graded Elements</a:t>
-            </a:r>
-          </a:p>
-        </p:txBody>
-      </p:sp>
-      <p:sp>
-        <p:nvSpPr>
-          <p:cNvPr id="3" name="Content Placeholder 2"/>
-          <p:cNvSpPr>
-            <a:spLocks noGrp="1"/>
-          </p:cNvSpPr>
-          <p:nvPr>
-            <p:ph idx="1"/>
-          </p:nvPr>
-        </p:nvSpPr>
-        <p:spPr/>
-        <p:txBody>
-          <a:bodyPr>
-            <a:normAutofit/>
-          </a:bodyPr>
-          <a:lstStyle/>
-          <a:p>
-            <a:r>
-              <a:rPr lang="en-US" dirty="0"/>
-              <a:t>Readings provided to help you!</a:t>
-            </a:r>
-          </a:p>
-          <a:p>
-            <a:pPr lvl="1"/>
-            <a:r>
-              <a:rPr lang="en-US" dirty="0"/>
-              <a:t>Only items in lecture, homework, or project are fair game.</a:t>
-            </a:r>
-          </a:p>
-          <a:p>
-            <a:pPr lvl="1"/>
-            <a:endParaRPr lang="en-US" dirty="0"/>
-          </a:p>
-          <a:p>
-            <a:r>
-              <a:rPr lang="en-US" dirty="0"/>
-              <a:t>Activities are again mainly to help / be fun!</a:t>
-            </a:r>
-          </a:p>
-          <a:p>
-            <a:pPr lvl="1"/>
-            <a:r>
-              <a:rPr lang="en-US" dirty="0"/>
-              <a:t>Will occur during class- not graded, but count as part of lecture material (fair game as well)</a:t>
-            </a:r>
-          </a:p>
-          <a:p>
-            <a:pPr marL="0" indent="0">
-              <a:buNone/>
-            </a:pPr>
-            <a:endParaRPr lang="en-US" dirty="0"/>
-          </a:p>
-          <a:p>
-            <a:r>
-              <a:rPr lang="en-US" dirty="0" err="1"/>
-              <a:t>Jupyter</a:t>
-            </a:r>
-            <a:r>
-              <a:rPr lang="en-US" dirty="0"/>
-              <a:t> Notebooks provided</a:t>
-            </a:r>
-          </a:p>
-          <a:p>
-            <a:pPr lvl="1"/>
-            <a:r>
-              <a:rPr lang="en-US" dirty="0"/>
-              <a:t>These are optional but hopefully helpful.</a:t>
-            </a:r>
-          </a:p>
-          <a:p>
-            <a:pPr lvl="1"/>
-            <a:r>
-              <a:rPr lang="en-US" dirty="0"/>
-              <a:t>Redesigned so that you can ‘interactively replay’ parts of lecture</a:t>
-            </a:r>
-          </a:p>
-          <a:p>
-            <a:pPr lvl="1"/>
-            <a:endParaRPr lang="en-US" dirty="0"/>
-          </a:p>
-        </p:txBody>
-      </p:sp>
-      <p:sp>
-        <p:nvSpPr>
-          <p:cNvPr id="4" name="Slide Number Placeholder 3"/>
-          <p:cNvSpPr>
-            <a:spLocks noGrp="1"/>
-          </p:cNvSpPr>
-          <p:nvPr>
-            <p:ph type="sldNum" sz="quarter" idx="12"/>
-          </p:nvPr>
-        </p:nvSpPr>
-        <p:spPr/>
-        <p:txBody>
-          <a:bodyPr/>
-          <a:lstStyle/>
-          <a:p>
             <a:fld id="{DF92A6B5-0D7C-48A8-B49A-953CF10F77E3}" type="slidenum">
               <a:rPr lang="en-US" smtClean="0"/>
               <a:pPr/>
-              <a:t>20</a:t>
+              <a:t>19</a:t>
             </a:fld>
             <a:endParaRPr lang="en-US"/>
           </a:p>
@@ -9736,7 +9387,7 @@
 </p:sld>
 </file>
 
-<file path=ppt/slides/slide21.xml><?xml version="1.0" encoding="utf-8"?>
+<file path=ppt/slides/slide2.xml><?xml version="1.0" encoding="utf-8"?>
 <p:sld xmlns:a="http://schemas.openxmlformats.org/drawingml/2006/main" xmlns:r="http://schemas.openxmlformats.org/officeDocument/2006/relationships" xmlns:p="http://schemas.openxmlformats.org/presentationml/2006/main">
   <p:cSld>
     <p:spTree>
@@ -9763,6 +9414,207 @@
             <p:ph type="title"/>
           </p:nvPr>
         </p:nvSpPr>
+        <p:spPr>
+          <a:xfrm>
+            <a:off x="838200" y="588063"/>
+            <a:ext cx="10515600" cy="2852737"/>
+          </a:xfrm>
+        </p:spPr>
+        <p:txBody>
+          <a:bodyPr/>
+          <a:lstStyle/>
+          <a:p>
+            <a:r>
+              <a:rPr lang="en-US" dirty="0"/>
+              <a:t>The world is increasingly</a:t>
+            </a:r>
+            <a:r>
+              <a:rPr lang="en-US" b="1" dirty="0"/>
+              <a:t> </a:t>
+            </a:r>
+            <a:br>
+              <a:rPr lang="en-US" b="1" dirty="0"/>
+            </a:br>
+            <a:r>
+              <a:rPr lang="en-US" b="1" dirty="0"/>
+              <a:t>driven by data… </a:t>
+            </a:r>
+          </a:p>
+        </p:txBody>
+      </p:sp>
+      <p:sp>
+        <p:nvSpPr>
+          <p:cNvPr id="4" name="Slide Number Placeholder 3"/>
+          <p:cNvSpPr>
+            <a:spLocks noGrp="1"/>
+          </p:cNvSpPr>
+          <p:nvPr>
+            <p:ph type="sldNum" sz="quarter" idx="12"/>
+          </p:nvPr>
+        </p:nvSpPr>
+        <p:spPr/>
+        <p:txBody>
+          <a:bodyPr/>
+          <a:lstStyle/>
+          <a:p>
+            <a:fld id="{40A01959-B587-3B45-A9B3-C17F42F09305}" type="slidenum">
+              <a:rPr lang="en-US" smtClean="0"/>
+              <a:t>2</a:t>
+            </a:fld>
+            <a:endParaRPr lang="en-US"/>
+          </a:p>
+        </p:txBody>
+      </p:sp>
+      <p:sp>
+        <p:nvSpPr>
+          <p:cNvPr id="5" name="Title 1"/>
+          <p:cNvSpPr txBox="1">
+            <a:spLocks/>
+          </p:cNvSpPr>
+          <p:nvPr/>
+        </p:nvSpPr>
+        <p:spPr>
+          <a:xfrm>
+            <a:off x="838200" y="3503613"/>
+            <a:ext cx="10515600" cy="2852737"/>
+          </a:xfrm>
+          <a:prstGeom prst="rect">
+            <a:avLst/>
+          </a:prstGeom>
+        </p:spPr>
+        <p:txBody>
+          <a:bodyPr vert="horz" lIns="91440" tIns="45720" rIns="91440" bIns="45720" rtlCol="0" anchor="b">
+            <a:normAutofit/>
+          </a:bodyPr>
+          <a:lstStyle>
+            <a:lvl1pPr algn="l" defTabSz="914400" rtl="0" eaLnBrk="1" latinLnBrk="0" hangingPunct="1">
+              <a:lnSpc>
+                <a:spcPct val="90000"/>
+              </a:lnSpc>
+              <a:spcBef>
+                <a:spcPct val="0"/>
+              </a:spcBef>
+              <a:buNone/>
+              <a:defRPr sz="6000" kern="1200">
+                <a:solidFill>
+                  <a:schemeClr val="tx1"/>
+                </a:solidFill>
+                <a:latin typeface="+mj-lt"/>
+                <a:ea typeface="+mj-ea"/>
+                <a:cs typeface="+mj-cs"/>
+              </a:defRPr>
+            </a:lvl1pPr>
+          </a:lstStyle>
+          <a:p>
+            <a:r>
+              <a:rPr lang="en-US" dirty="0"/>
+              <a:t>This class teaches </a:t>
+            </a:r>
+            <a:r>
+              <a:rPr lang="en-US" b="1" dirty="0"/>
+              <a:t>the basics </a:t>
+            </a:r>
+            <a:r>
+              <a:rPr lang="en-US" dirty="0"/>
+              <a:t>of how to use &amp; manage data.</a:t>
+            </a:r>
+          </a:p>
+        </p:txBody>
+      </p:sp>
+      <p:sp>
+        <p:nvSpPr>
+          <p:cNvPr id="6" name="Rectangle 5"/>
+          <p:cNvSpPr/>
+          <p:nvPr/>
+        </p:nvSpPr>
+        <p:spPr>
+          <a:xfrm>
+            <a:off x="0" y="0"/>
+            <a:ext cx="12192000" cy="262759"/>
+          </a:xfrm>
+          <a:prstGeom prst="rect">
+            <a:avLst/>
+          </a:prstGeom>
+          <a:solidFill>
+            <a:schemeClr val="bg2"/>
+          </a:solidFill>
+          <a:ln>
+            <a:noFill/>
+          </a:ln>
+        </p:spPr>
+        <p:style>
+          <a:lnRef idx="2">
+            <a:schemeClr val="accent1">
+              <a:shade val="50000"/>
+            </a:schemeClr>
+          </a:lnRef>
+          <a:fillRef idx="1">
+            <a:schemeClr val="accent1"/>
+          </a:fillRef>
+          <a:effectRef idx="0">
+            <a:schemeClr val="accent1"/>
+          </a:effectRef>
+          <a:fontRef idx="minor">
+            <a:schemeClr val="lt1"/>
+          </a:fontRef>
+        </p:style>
+        <p:txBody>
+          <a:bodyPr rtlCol="0" anchor="ctr"/>
+          <a:lstStyle/>
+          <a:p>
+            <a:pPr algn="r"/>
+            <a:endParaRPr lang="en-US" sz="1400" b="1" i="1" dirty="0">
+              <a:solidFill>
+                <a:schemeClr val="tx1">
+                  <a:lumMod val="65000"/>
+                  <a:lumOff val="35000"/>
+                </a:schemeClr>
+              </a:solidFill>
+              <a:latin typeface="+mj-lt"/>
+            </a:endParaRPr>
+          </a:p>
+        </p:txBody>
+      </p:sp>
+    </p:spTree>
+    <p:extLst>
+      <p:ext uri="{BB962C8B-B14F-4D97-AF65-F5344CB8AC3E}">
+        <p14:creationId xmlns:p14="http://schemas.microsoft.com/office/powerpoint/2010/main" val="1713732204"/>
+      </p:ext>
+    </p:extLst>
+  </p:cSld>
+  <p:clrMapOvr>
+    <a:masterClrMapping/>
+  </p:clrMapOvr>
+</p:sld>
+</file>
+
+<file path=ppt/slides/slide20.xml><?xml version="1.0" encoding="utf-8"?>
+<p:sld xmlns:a="http://schemas.openxmlformats.org/drawingml/2006/main" xmlns:r="http://schemas.openxmlformats.org/officeDocument/2006/relationships" xmlns:p="http://schemas.openxmlformats.org/presentationml/2006/main">
+  <p:cSld>
+    <p:spTree>
+      <p:nvGrpSpPr>
+        <p:cNvPr id="1" name=""/>
+        <p:cNvGrpSpPr/>
+        <p:nvPr/>
+      </p:nvGrpSpPr>
+      <p:grpSpPr>
+        <a:xfrm>
+          <a:off x="0" y="0"/>
+          <a:ext cx="0" cy="0"/>
+          <a:chOff x="0" y="0"/>
+          <a:chExt cx="0" cy="0"/>
+        </a:xfrm>
+      </p:grpSpPr>
+      <p:sp>
+        <p:nvSpPr>
+          <p:cNvPr id="2" name="Title 1"/>
+          <p:cNvSpPr>
+            <a:spLocks noGrp="1"/>
+          </p:cNvSpPr>
+          <p:nvPr>
+            <p:ph type="title"/>
+          </p:nvPr>
+        </p:nvSpPr>
         <p:spPr/>
         <p:txBody>
           <a:bodyPr>
@@ -9889,7 +9741,7 @@
             <a:fld id="{DF92A6B5-0D7C-48A8-B49A-953CF10F77E3}" type="slidenum">
               <a:rPr lang="en-US" smtClean="0"/>
               <a:pPr/>
-              <a:t>21</a:t>
+              <a:t>20</a:t>
             </a:fld>
             <a:endParaRPr lang="en-US"/>
           </a:p>
@@ -10331,7 +10183,7 @@
 </p:sld>
 </file>
 
-<file path=ppt/slides/slide22.xml><?xml version="1.0" encoding="utf-8"?>
+<file path=ppt/slides/slide21.xml><?xml version="1.0" encoding="utf-8"?>
 <p:sld xmlns:a="http://schemas.openxmlformats.org/drawingml/2006/main" xmlns:r="http://schemas.openxmlformats.org/officeDocument/2006/relationships" xmlns:p="http://schemas.openxmlformats.org/presentationml/2006/main">
   <p:cSld>
     <p:spTree>
@@ -10532,7 +10384,7 @@
             <a:fld id="{DF92A6B5-0D7C-48A8-B49A-953CF10F77E3}" type="slidenum">
               <a:rPr lang="en-US" smtClean="0"/>
               <a:pPr/>
-              <a:t>22</a:t>
+              <a:t>21</a:t>
             </a:fld>
             <a:endParaRPr lang="en-US"/>
           </a:p>
@@ -10657,7 +10509,7 @@
 </p:sld>
 </file>
 
-<file path=ppt/slides/slide23.xml><?xml version="1.0" encoding="utf-8"?>
+<file path=ppt/slides/slide22.xml><?xml version="1.0" encoding="utf-8"?>
 <p:sld xmlns:a="http://schemas.openxmlformats.org/drawingml/2006/main" xmlns:r="http://schemas.openxmlformats.org/officeDocument/2006/relationships" xmlns:p="http://schemas.openxmlformats.org/presentationml/2006/main">
   <p:cSld>
     <p:spTree>
@@ -10852,7 +10704,7 @@
             <a:fld id="{DF92A6B5-0D7C-48A8-B49A-953CF10F77E3}" type="slidenum">
               <a:rPr lang="en-US" smtClean="0"/>
               <a:pPr/>
-              <a:t>23</a:t>
+              <a:t>22</a:t>
             </a:fld>
             <a:endParaRPr lang="en-US"/>
           </a:p>
@@ -10977,7 +10829,7 @@
 </p:sld>
 </file>
 
-<file path=ppt/slides/slide24.xml><?xml version="1.0" encoding="utf-8"?>
+<file path=ppt/slides/slide23.xml><?xml version="1.0" encoding="utf-8"?>
 <p:sld xmlns:a="http://schemas.openxmlformats.org/drawingml/2006/main" xmlns:r="http://schemas.openxmlformats.org/officeDocument/2006/relationships" xmlns:p="http://schemas.openxmlformats.org/presentationml/2006/main">
   <p:cSld>
     <p:spTree>
@@ -11036,7 +10888,7 @@
             <a:fld id="{DF92A6B5-0D7C-48A8-B49A-953CF10F77E3}" type="slidenum">
               <a:rPr lang="en-US" smtClean="0"/>
               <a:pPr/>
-              <a:t>24</a:t>
+              <a:t>23</a:t>
             </a:fld>
             <a:endParaRPr lang="en-US"/>
           </a:p>
@@ -11395,7 +11247,7 @@
 </p:sld>
 </file>
 
-<file path=ppt/slides/slide25.xml><?xml version="1.0" encoding="utf-8"?>
+<file path=ppt/slides/slide24.xml><?xml version="1.0" encoding="utf-8"?>
 <p:sld xmlns:a="http://schemas.openxmlformats.org/drawingml/2006/main" xmlns:r="http://schemas.openxmlformats.org/officeDocument/2006/relationships" xmlns:p="http://schemas.openxmlformats.org/presentationml/2006/main">
   <p:cSld>
     <p:spTree>
@@ -11556,7 +11408,7 @@
           <a:p>
             <a:fld id="{40A01959-B587-3B45-A9B3-C17F42F09305}" type="slidenum">
               <a:rPr lang="en-US" smtClean="0"/>
-              <a:t>25</a:t>
+              <a:t>24</a:t>
             </a:fld>
             <a:endParaRPr lang="en-US"/>
           </a:p>
@@ -11822,7 +11674,7 @@
 </p:sld>
 </file>
 
-<file path=ppt/slides/slide26.xml><?xml version="1.0" encoding="utf-8"?>
+<file path=ppt/slides/slide25.xml><?xml version="1.0" encoding="utf-8"?>
 <p:sld xmlns:a="http://schemas.openxmlformats.org/drawingml/2006/main" xmlns:r="http://schemas.openxmlformats.org/officeDocument/2006/relationships" xmlns:p="http://schemas.openxmlformats.org/presentationml/2006/main">
   <p:cSld>
     <p:spTree>
@@ -11882,7 +11734,7 @@
           <a:p>
             <a:fld id="{40A01959-B587-3B45-A9B3-C17F42F09305}" type="slidenum">
               <a:rPr lang="en-US" smtClean="0"/>
-              <a:t>26</a:t>
+              <a:t>25</a:t>
             </a:fld>
             <a:endParaRPr lang="en-US"/>
           </a:p>
@@ -12743,7 +12595,7 @@
 </p:sld>
 </file>
 
-<file path=ppt/slides/slide27.xml><?xml version="1.0" encoding="utf-8"?>
+<file path=ppt/slides/slide26.xml><?xml version="1.0" encoding="utf-8"?>
 <p:sld xmlns:a="http://schemas.openxmlformats.org/drawingml/2006/main" xmlns:r="http://schemas.openxmlformats.org/officeDocument/2006/relationships" xmlns:p="http://schemas.openxmlformats.org/presentationml/2006/main">
   <p:cSld>
     <p:spTree>
@@ -12803,7 +12655,7 @@
           <a:p>
             <a:fld id="{40A01959-B587-3B45-A9B3-C17F42F09305}" type="slidenum">
               <a:rPr lang="en-US" smtClean="0"/>
-              <a:t>27</a:t>
+              <a:t>26</a:t>
             </a:fld>
             <a:endParaRPr lang="en-US"/>
           </a:p>
@@ -13208,7 +13060,7 @@
 </p:sld>
 </file>
 
-<file path=ppt/slides/slide28.xml><?xml version="1.0" encoding="utf-8"?>
+<file path=ppt/slides/slide27.xml><?xml version="1.0" encoding="utf-8"?>
 <p:sld xmlns:a="http://schemas.openxmlformats.org/drawingml/2006/main" xmlns:r="http://schemas.openxmlformats.org/officeDocument/2006/relationships" xmlns:p="http://schemas.openxmlformats.org/presentationml/2006/main">
   <p:cSld>
     <p:spTree>
@@ -13244,13 +13096,7 @@
               <a:rPr lang="en-US" dirty="0">
                 <a:hlinkClick r:id="rId2" action="ppaction://hlinkfile"/>
               </a:rPr>
-              <a:t>DB-WS0</a:t>
-            </a:r>
-            <a:r>
-              <a:rPr lang="en-US" dirty="0">
-                <a:hlinkClick r:id="rId2" action="ppaction://hlinkfile"/>
-              </a:rPr>
-              <a:t>1a.ipynb</a:t>
+              <a:t>DB-WS01a.ipynb</a:t>
             </a:r>
             <a:endParaRPr lang="en-US" dirty="0"/>
           </a:p>
@@ -13273,7 +13119,7 @@
           <a:p>
             <a:fld id="{40A01959-B587-3B45-A9B3-C17F42F09305}" type="slidenum">
               <a:rPr lang="en-US" smtClean="0"/>
-              <a:t>28</a:t>
+              <a:t>27</a:t>
             </a:fld>
             <a:endParaRPr lang="en-US"/>
           </a:p>
@@ -13401,7 +13247,7 @@
 </p:sld>
 </file>
 
-<file path=ppt/slides/slide29.xml><?xml version="1.0" encoding="utf-8"?>
+<file path=ppt/slides/slide28.xml><?xml version="1.0" encoding="utf-8"?>
 <p:sld xmlns:a="http://schemas.openxmlformats.org/drawingml/2006/main" xmlns:r="http://schemas.openxmlformats.org/officeDocument/2006/relationships" xmlns:p="http://schemas.openxmlformats.org/presentationml/2006/main">
   <p:cSld>
     <p:spTree>
@@ -13476,7 +13322,7 @@
           <a:p>
             <a:fld id="{40A01959-B587-3B45-A9B3-C17F42F09305}" type="slidenum">
               <a:rPr lang="en-US" smtClean="0"/>
-              <a:t>29</a:t>
+              <a:t>28</a:t>
             </a:fld>
             <a:endParaRPr lang="en-US"/>
           </a:p>
@@ -13601,268 +13447,7 @@
 </p:sld>
 </file>
 
-<file path=ppt/slides/slide3.xml><?xml version="1.0" encoding="utf-8"?>
-<p:sld xmlns:a="http://schemas.openxmlformats.org/drawingml/2006/main" xmlns:r="http://schemas.openxmlformats.org/officeDocument/2006/relationships" xmlns:p="http://schemas.openxmlformats.org/presentationml/2006/main">
-  <p:cSld>
-    <p:spTree>
-      <p:nvGrpSpPr>
-        <p:cNvPr id="1" name=""/>
-        <p:cNvGrpSpPr/>
-        <p:nvPr/>
-      </p:nvGrpSpPr>
-      <p:grpSpPr>
-        <a:xfrm>
-          <a:off x="0" y="0"/>
-          <a:ext cx="0" cy="0"/>
-          <a:chOff x="0" y="0"/>
-          <a:chExt cx="0" cy="0"/>
-        </a:xfrm>
-      </p:grpSpPr>
-      <p:sp>
-        <p:nvSpPr>
-          <p:cNvPr id="2" name="Title 1"/>
-          <p:cNvSpPr>
-            <a:spLocks noGrp="1"/>
-          </p:cNvSpPr>
-          <p:nvPr>
-            <p:ph type="title"/>
-          </p:nvPr>
-        </p:nvSpPr>
-        <p:spPr/>
-        <p:txBody>
-          <a:bodyPr/>
-          <a:lstStyle/>
-          <a:p>
-            <a:r>
-              <a:rPr lang="en-US" dirty="0"/>
-              <a:t>Key Questions We Will Answer</a:t>
-            </a:r>
-          </a:p>
-        </p:txBody>
-      </p:sp>
-      <p:sp>
-        <p:nvSpPr>
-          <p:cNvPr id="3" name="Content Placeholder 2"/>
-          <p:cNvSpPr>
-            <a:spLocks noGrp="1"/>
-          </p:cNvSpPr>
-          <p:nvPr>
-            <p:ph idx="1"/>
-          </p:nvPr>
-        </p:nvSpPr>
-        <p:spPr/>
-        <p:txBody>
-          <a:bodyPr>
-            <a:normAutofit/>
-          </a:bodyPr>
-          <a:lstStyle/>
-          <a:p>
-            <a:r>
-              <a:rPr lang="en-US" dirty="0">
-                <a:latin typeface="+mj-lt"/>
-              </a:rPr>
-              <a:t>How can we </a:t>
-            </a:r>
-            <a:r>
-              <a:rPr lang="en-US" b="1" dirty="0"/>
-              <a:t>collect and store </a:t>
-            </a:r>
-            <a:r>
-              <a:rPr lang="en-US" dirty="0">
-                <a:latin typeface="+mj-lt"/>
-              </a:rPr>
-              <a:t>large amounts of data?</a:t>
-            </a:r>
-          </a:p>
-          <a:p>
-            <a:pPr lvl="1"/>
-            <a:r>
-              <a:rPr lang="en-US" dirty="0">
-                <a:latin typeface="+mj-lt"/>
-              </a:rPr>
-              <a:t>By building tools and data structures to efficiently index and serve data</a:t>
-            </a:r>
-          </a:p>
-          <a:p>
-            <a:r>
-              <a:rPr lang="en-US" dirty="0">
-                <a:latin typeface="+mj-lt"/>
-              </a:rPr>
-              <a:t>How can we </a:t>
-            </a:r>
-            <a:r>
-              <a:rPr lang="en-US" b="1" dirty="0"/>
-              <a:t>efficiently query </a:t>
-            </a:r>
-            <a:r>
-              <a:rPr lang="en-US" dirty="0">
-                <a:latin typeface="+mj-lt"/>
-              </a:rPr>
-              <a:t>data?</a:t>
-            </a:r>
-          </a:p>
-          <a:p>
-            <a:pPr lvl="1"/>
-            <a:r>
-              <a:rPr lang="en-US" dirty="0">
-                <a:latin typeface="+mj-lt"/>
-              </a:rPr>
-              <a:t>By compiling high-level declarative queries into efficient low-level plans</a:t>
-            </a:r>
-          </a:p>
-          <a:p>
-            <a:r>
-              <a:rPr lang="en-US" dirty="0">
-                <a:latin typeface="+mj-lt"/>
-              </a:rPr>
-              <a:t>How can we </a:t>
-            </a:r>
-            <a:r>
-              <a:rPr lang="en-US" b="1" dirty="0"/>
-              <a:t>safely update </a:t>
-            </a:r>
-            <a:r>
-              <a:rPr lang="en-US" dirty="0">
-                <a:latin typeface="+mj-lt"/>
-              </a:rPr>
-              <a:t>data?</a:t>
-            </a:r>
-          </a:p>
-          <a:p>
-            <a:pPr lvl="1"/>
-            <a:r>
-              <a:rPr lang="en-US" dirty="0">
-                <a:latin typeface="+mj-lt"/>
-              </a:rPr>
-              <a:t>By managing concurrent access to state as it is read and written</a:t>
-            </a:r>
-          </a:p>
-          <a:p>
-            <a:r>
-              <a:rPr lang="en-US" dirty="0">
-                <a:latin typeface="+mj-lt"/>
-              </a:rPr>
-              <a:t>How do different database systems manage </a:t>
-            </a:r>
-            <a:r>
-              <a:rPr lang="en-US" b="1" dirty="0"/>
-              <a:t>design trade-offs</a:t>
-            </a:r>
-            <a:r>
-              <a:rPr lang="en-US" dirty="0">
-                <a:latin typeface="+mj-lt"/>
-              </a:rPr>
-              <a:t>?</a:t>
-            </a:r>
-          </a:p>
-          <a:p>
-            <a:pPr lvl="1"/>
-            <a:r>
-              <a:rPr lang="en-US" dirty="0">
-                <a:latin typeface="+mj-lt"/>
-              </a:rPr>
-              <a:t>e.g., at scale, in a distributed environment?</a:t>
-            </a:r>
-          </a:p>
-          <a:p>
-            <a:endParaRPr lang="en-US" dirty="0">
-              <a:latin typeface="+mj-lt"/>
-            </a:endParaRPr>
-          </a:p>
-        </p:txBody>
-      </p:sp>
-      <p:sp>
-        <p:nvSpPr>
-          <p:cNvPr id="4" name="Slide Number Placeholder 3"/>
-          <p:cNvSpPr>
-            <a:spLocks noGrp="1"/>
-          </p:cNvSpPr>
-          <p:nvPr>
-            <p:ph type="sldNum" sz="quarter" idx="12"/>
-          </p:nvPr>
-        </p:nvSpPr>
-        <p:spPr/>
-        <p:txBody>
-          <a:bodyPr/>
-          <a:lstStyle/>
-          <a:p>
-            <a:fld id="{DF92A6B5-0D7C-48A8-B49A-953CF10F77E3}" type="slidenum">
-              <a:rPr lang="en-US" smtClean="0"/>
-              <a:pPr/>
-              <a:t>3</a:t>
-            </a:fld>
-            <a:endParaRPr lang="en-US"/>
-          </a:p>
-        </p:txBody>
-      </p:sp>
-      <p:sp>
-        <p:nvSpPr>
-          <p:cNvPr id="8" name="Rectangle 7"/>
-          <p:cNvSpPr/>
-          <p:nvPr/>
-        </p:nvSpPr>
-        <p:spPr>
-          <a:xfrm>
-            <a:off x="0" y="0"/>
-            <a:ext cx="12192000" cy="262759"/>
-          </a:xfrm>
-          <a:prstGeom prst="rect">
-            <a:avLst/>
-          </a:prstGeom>
-          <a:solidFill>
-            <a:schemeClr val="bg2"/>
-          </a:solidFill>
-          <a:ln>
-            <a:noFill/>
-          </a:ln>
-        </p:spPr>
-        <p:style>
-          <a:lnRef idx="2">
-            <a:schemeClr val="accent1">
-              <a:shade val="50000"/>
-            </a:schemeClr>
-          </a:lnRef>
-          <a:fillRef idx="1">
-            <a:schemeClr val="accent1"/>
-          </a:fillRef>
-          <a:effectRef idx="0">
-            <a:schemeClr val="accent1"/>
-          </a:effectRef>
-          <a:fontRef idx="minor">
-            <a:schemeClr val="lt1"/>
-          </a:fontRef>
-        </p:style>
-        <p:txBody>
-          <a:bodyPr rtlCol="0" anchor="ctr"/>
-          <a:lstStyle/>
-          <a:p>
-            <a:pPr algn="r"/>
-            <a:endParaRPr lang="en-US" sz="1400" b="1" i="1" dirty="0">
-              <a:solidFill>
-                <a:schemeClr val="tx1">
-                  <a:lumMod val="65000"/>
-                  <a:lumOff val="35000"/>
-                </a:schemeClr>
-              </a:solidFill>
-              <a:latin typeface="+mj-lt"/>
-            </a:endParaRPr>
-          </a:p>
-        </p:txBody>
-      </p:sp>
-    </p:spTree>
-    <p:extLst>
-      <p:ext uri="{BB962C8B-B14F-4D97-AF65-F5344CB8AC3E}">
-        <p14:creationId xmlns:p14="http://schemas.microsoft.com/office/powerpoint/2010/main" val="1234122256"/>
-      </p:ext>
-    </p:extLst>
-  </p:cSld>
-  <p:clrMapOvr>
-    <a:masterClrMapping/>
-  </p:clrMapOvr>
-</p:sld>
-</file>
-
-<file path=ppt/slides/slide30.xml><?xml version="1.0" encoding="utf-8"?>
+<file path=ppt/slides/slide29.xml><?xml version="1.0" encoding="utf-8"?>
 <p:sld xmlns:a="http://schemas.openxmlformats.org/drawingml/2006/main" xmlns:r="http://schemas.openxmlformats.org/officeDocument/2006/relationships" xmlns:p="http://schemas.openxmlformats.org/presentationml/2006/main">
   <p:cSld>
     <p:spTree>
@@ -14068,7 +13653,7 @@
             <a:fld id="{DF92A6B5-0D7C-48A8-B49A-953CF10F77E3}" type="slidenum">
               <a:rPr lang="en-US" smtClean="0"/>
               <a:pPr/>
-              <a:t>30</a:t>
+              <a:t>29</a:t>
             </a:fld>
             <a:endParaRPr lang="en-US"/>
           </a:p>
@@ -14193,7 +13778,268 @@
 </p:sld>
 </file>
 
-<file path=ppt/slides/slide31.xml><?xml version="1.0" encoding="utf-8"?>
+<file path=ppt/slides/slide3.xml><?xml version="1.0" encoding="utf-8"?>
+<p:sld xmlns:a="http://schemas.openxmlformats.org/drawingml/2006/main" xmlns:r="http://schemas.openxmlformats.org/officeDocument/2006/relationships" xmlns:p="http://schemas.openxmlformats.org/presentationml/2006/main">
+  <p:cSld>
+    <p:spTree>
+      <p:nvGrpSpPr>
+        <p:cNvPr id="1" name=""/>
+        <p:cNvGrpSpPr/>
+        <p:nvPr/>
+      </p:nvGrpSpPr>
+      <p:grpSpPr>
+        <a:xfrm>
+          <a:off x="0" y="0"/>
+          <a:ext cx="0" cy="0"/>
+          <a:chOff x="0" y="0"/>
+          <a:chExt cx="0" cy="0"/>
+        </a:xfrm>
+      </p:grpSpPr>
+      <p:sp>
+        <p:nvSpPr>
+          <p:cNvPr id="2" name="Title 1"/>
+          <p:cNvSpPr>
+            <a:spLocks noGrp="1"/>
+          </p:cNvSpPr>
+          <p:nvPr>
+            <p:ph type="title"/>
+          </p:nvPr>
+        </p:nvSpPr>
+        <p:spPr/>
+        <p:txBody>
+          <a:bodyPr/>
+          <a:lstStyle/>
+          <a:p>
+            <a:r>
+              <a:rPr lang="en-US" dirty="0"/>
+              <a:t>Key Questions We Will Answer</a:t>
+            </a:r>
+          </a:p>
+        </p:txBody>
+      </p:sp>
+      <p:sp>
+        <p:nvSpPr>
+          <p:cNvPr id="3" name="Content Placeholder 2"/>
+          <p:cNvSpPr>
+            <a:spLocks noGrp="1"/>
+          </p:cNvSpPr>
+          <p:nvPr>
+            <p:ph idx="1"/>
+          </p:nvPr>
+        </p:nvSpPr>
+        <p:spPr/>
+        <p:txBody>
+          <a:bodyPr>
+            <a:normAutofit/>
+          </a:bodyPr>
+          <a:lstStyle/>
+          <a:p>
+            <a:r>
+              <a:rPr lang="en-US" dirty="0">
+                <a:latin typeface="+mj-lt"/>
+              </a:rPr>
+              <a:t>How can we </a:t>
+            </a:r>
+            <a:r>
+              <a:rPr lang="en-US" b="1" dirty="0"/>
+              <a:t>collect and store </a:t>
+            </a:r>
+            <a:r>
+              <a:rPr lang="en-US" dirty="0">
+                <a:latin typeface="+mj-lt"/>
+              </a:rPr>
+              <a:t>large amounts of data?</a:t>
+            </a:r>
+          </a:p>
+          <a:p>
+            <a:pPr lvl="1"/>
+            <a:r>
+              <a:rPr lang="en-US" dirty="0">
+                <a:latin typeface="+mj-lt"/>
+              </a:rPr>
+              <a:t>By building tools and data structures to efficiently index and serve data</a:t>
+            </a:r>
+          </a:p>
+          <a:p>
+            <a:r>
+              <a:rPr lang="en-US" dirty="0">
+                <a:latin typeface="+mj-lt"/>
+              </a:rPr>
+              <a:t>How can we </a:t>
+            </a:r>
+            <a:r>
+              <a:rPr lang="en-US" b="1" dirty="0"/>
+              <a:t>efficiently query </a:t>
+            </a:r>
+            <a:r>
+              <a:rPr lang="en-US" dirty="0">
+                <a:latin typeface="+mj-lt"/>
+              </a:rPr>
+              <a:t>data?</a:t>
+            </a:r>
+          </a:p>
+          <a:p>
+            <a:pPr lvl="1"/>
+            <a:r>
+              <a:rPr lang="en-US" dirty="0">
+                <a:latin typeface="+mj-lt"/>
+              </a:rPr>
+              <a:t>By compiling high-level declarative queries into efficient low-level plans</a:t>
+            </a:r>
+          </a:p>
+          <a:p>
+            <a:r>
+              <a:rPr lang="en-US" dirty="0">
+                <a:latin typeface="+mj-lt"/>
+              </a:rPr>
+              <a:t>How can we </a:t>
+            </a:r>
+            <a:r>
+              <a:rPr lang="en-US" b="1" dirty="0"/>
+              <a:t>safely update </a:t>
+            </a:r>
+            <a:r>
+              <a:rPr lang="en-US" dirty="0">
+                <a:latin typeface="+mj-lt"/>
+              </a:rPr>
+              <a:t>data?</a:t>
+            </a:r>
+          </a:p>
+          <a:p>
+            <a:pPr lvl="1"/>
+            <a:r>
+              <a:rPr lang="en-US" dirty="0">
+                <a:latin typeface="+mj-lt"/>
+              </a:rPr>
+              <a:t>By managing concurrent access to state as it is read and written</a:t>
+            </a:r>
+          </a:p>
+          <a:p>
+            <a:r>
+              <a:rPr lang="en-US" dirty="0">
+                <a:latin typeface="+mj-lt"/>
+              </a:rPr>
+              <a:t>How do different database systems manage </a:t>
+            </a:r>
+            <a:r>
+              <a:rPr lang="en-US" b="1" dirty="0"/>
+              <a:t>design trade-offs</a:t>
+            </a:r>
+            <a:r>
+              <a:rPr lang="en-US" dirty="0">
+                <a:latin typeface="+mj-lt"/>
+              </a:rPr>
+              <a:t>?</a:t>
+            </a:r>
+          </a:p>
+          <a:p>
+            <a:pPr lvl="1"/>
+            <a:r>
+              <a:rPr lang="en-US" dirty="0">
+                <a:latin typeface="+mj-lt"/>
+              </a:rPr>
+              <a:t>e.g., at scale, in a distributed environment?</a:t>
+            </a:r>
+          </a:p>
+          <a:p>
+            <a:endParaRPr lang="en-US" dirty="0">
+              <a:latin typeface="+mj-lt"/>
+            </a:endParaRPr>
+          </a:p>
+        </p:txBody>
+      </p:sp>
+      <p:sp>
+        <p:nvSpPr>
+          <p:cNvPr id="4" name="Slide Number Placeholder 3"/>
+          <p:cNvSpPr>
+            <a:spLocks noGrp="1"/>
+          </p:cNvSpPr>
+          <p:nvPr>
+            <p:ph type="sldNum" sz="quarter" idx="12"/>
+          </p:nvPr>
+        </p:nvSpPr>
+        <p:spPr/>
+        <p:txBody>
+          <a:bodyPr/>
+          <a:lstStyle/>
+          <a:p>
+            <a:fld id="{DF92A6B5-0D7C-48A8-B49A-953CF10F77E3}" type="slidenum">
+              <a:rPr lang="en-US" smtClean="0"/>
+              <a:pPr/>
+              <a:t>3</a:t>
+            </a:fld>
+            <a:endParaRPr lang="en-US"/>
+          </a:p>
+        </p:txBody>
+      </p:sp>
+      <p:sp>
+        <p:nvSpPr>
+          <p:cNvPr id="8" name="Rectangle 7"/>
+          <p:cNvSpPr/>
+          <p:nvPr/>
+        </p:nvSpPr>
+        <p:spPr>
+          <a:xfrm>
+            <a:off x="0" y="0"/>
+            <a:ext cx="12192000" cy="262759"/>
+          </a:xfrm>
+          <a:prstGeom prst="rect">
+            <a:avLst/>
+          </a:prstGeom>
+          <a:solidFill>
+            <a:schemeClr val="bg2"/>
+          </a:solidFill>
+          <a:ln>
+            <a:noFill/>
+          </a:ln>
+        </p:spPr>
+        <p:style>
+          <a:lnRef idx="2">
+            <a:schemeClr val="accent1">
+              <a:shade val="50000"/>
+            </a:schemeClr>
+          </a:lnRef>
+          <a:fillRef idx="1">
+            <a:schemeClr val="accent1"/>
+          </a:fillRef>
+          <a:effectRef idx="0">
+            <a:schemeClr val="accent1"/>
+          </a:effectRef>
+          <a:fontRef idx="minor">
+            <a:schemeClr val="lt1"/>
+          </a:fontRef>
+        </p:style>
+        <p:txBody>
+          <a:bodyPr rtlCol="0" anchor="ctr"/>
+          <a:lstStyle/>
+          <a:p>
+            <a:pPr algn="r"/>
+            <a:endParaRPr lang="en-US" sz="1400" b="1" i="1" dirty="0">
+              <a:solidFill>
+                <a:schemeClr val="tx1">
+                  <a:lumMod val="65000"/>
+                  <a:lumOff val="35000"/>
+                </a:schemeClr>
+              </a:solidFill>
+              <a:latin typeface="+mj-lt"/>
+            </a:endParaRPr>
+          </a:p>
+        </p:txBody>
+      </p:sp>
+    </p:spTree>
+    <p:extLst>
+      <p:ext uri="{BB962C8B-B14F-4D97-AF65-F5344CB8AC3E}">
+        <p14:creationId xmlns:p14="http://schemas.microsoft.com/office/powerpoint/2010/main" val="1234122256"/>
+      </p:ext>
+    </p:extLst>
+  </p:cSld>
+  <p:clrMapOvr>
+    <a:masterClrMapping/>
+  </p:clrMapOvr>
+</p:sld>
+</file>
+
+<file path=ppt/slides/slide30.xml><?xml version="1.0" encoding="utf-8"?>
 <p:sld xmlns:a="http://schemas.openxmlformats.org/drawingml/2006/main" xmlns:r="http://schemas.openxmlformats.org/officeDocument/2006/relationships" xmlns:p="http://schemas.openxmlformats.org/presentationml/2006/main">
   <p:cSld>
     <p:spTree>
@@ -14379,7 +14225,7 @@
             <a:fld id="{DF92A6B5-0D7C-48A8-B49A-953CF10F77E3}" type="slidenum">
               <a:rPr lang="en-US" smtClean="0"/>
               <a:pPr/>
-              <a:t>31</a:t>
+              <a:t>30</a:t>
             </a:fld>
             <a:endParaRPr lang="en-US"/>
           </a:p>
@@ -14737,7 +14583,7 @@
 </p:sld>
 </file>
 
-<file path=ppt/slides/slide32.xml><?xml version="1.0" encoding="utf-8"?>
+<file path=ppt/slides/slide31.xml><?xml version="1.0" encoding="utf-8"?>
 <p:sld xmlns:a="http://schemas.openxmlformats.org/drawingml/2006/main" xmlns:r="http://schemas.openxmlformats.org/officeDocument/2006/relationships" xmlns:p="http://schemas.openxmlformats.org/presentationml/2006/main">
   <p:cSld>
     <p:spTree>
@@ -14772,7 +14618,7 @@
             <a:fld id="{DE33C148-71A6-4219-B2B5-06E3FD297E0C}" type="slidenum">
               <a:rPr lang="en-US"/>
               <a:pPr/>
-              <a:t>32</a:t>
+              <a:t>31</a:t>
             </a:fld>
             <a:endParaRPr lang="en-US"/>
           </a:p>
@@ -15522,7 +15368,7 @@
 </p:sld>
 </file>
 
-<file path=ppt/slides/slide33.xml><?xml version="1.0" encoding="utf-8"?>
+<file path=ppt/slides/slide32.xml><?xml version="1.0" encoding="utf-8"?>
 <p:sld xmlns:a="http://schemas.openxmlformats.org/drawingml/2006/main" xmlns:r="http://schemas.openxmlformats.org/officeDocument/2006/relationships" xmlns:p="http://schemas.openxmlformats.org/presentationml/2006/main">
   <p:cSld>
     <p:spTree>
@@ -15705,7 +15551,7 @@
             <a:fld id="{DF92A6B5-0D7C-48A8-B49A-953CF10F77E3}" type="slidenum">
               <a:rPr lang="en-US" smtClean="0"/>
               <a:pPr/>
-              <a:t>33</a:t>
+              <a:t>32</a:t>
             </a:fld>
             <a:endParaRPr lang="en-US" dirty="0"/>
           </a:p>
@@ -16054,7 +15900,7 @@
 </p:sld>
 </file>
 
-<file path=ppt/slides/slide34.xml><?xml version="1.0" encoding="utf-8"?>
+<file path=ppt/slides/slide33.xml><?xml version="1.0" encoding="utf-8"?>
 <p:sld xmlns:a="http://schemas.openxmlformats.org/drawingml/2006/main" xmlns:r="http://schemas.openxmlformats.org/officeDocument/2006/relationships" xmlns:p="http://schemas.openxmlformats.org/presentationml/2006/main">
   <p:cSld>
     <p:spTree>
@@ -16147,7 +15993,7 @@
           <a:p>
             <a:fld id="{40A01959-B587-3B45-A9B3-C17F42F09305}" type="slidenum">
               <a:rPr lang="en-US" smtClean="0"/>
-              <a:t>34</a:t>
+              <a:t>33</a:t>
             </a:fld>
             <a:endParaRPr lang="en-US"/>
           </a:p>
@@ -16336,7 +16182,7 @@
 </p:sld>
 </file>
 
-<file path=ppt/slides/slide35.xml><?xml version="1.0" encoding="utf-8"?>
+<file path=ppt/slides/slide34.xml><?xml version="1.0" encoding="utf-8"?>
 <p:sld xmlns:a="http://schemas.openxmlformats.org/drawingml/2006/main" xmlns:r="http://schemas.openxmlformats.org/officeDocument/2006/relationships" xmlns:p="http://schemas.openxmlformats.org/presentationml/2006/main">
   <p:cSld>
     <p:spTree>
@@ -17414,7 +17260,7 @@
             <a:fld id="{DF92A6B5-0D7C-48A8-B49A-953CF10F77E3}" type="slidenum">
               <a:rPr lang="en-US" smtClean="0"/>
               <a:pPr/>
-              <a:t>35</a:t>
+              <a:t>34</a:t>
             </a:fld>
             <a:endParaRPr lang="en-US"/>
           </a:p>
@@ -17943,7 +17789,7 @@
 </p:sld>
 </file>
 
-<file path=ppt/slides/slide36.xml><?xml version="1.0" encoding="utf-8"?>
+<file path=ppt/slides/slide35.xml><?xml version="1.0" encoding="utf-8"?>
 <p:sld xmlns:a="http://schemas.openxmlformats.org/drawingml/2006/main" xmlns:r="http://schemas.openxmlformats.org/officeDocument/2006/relationships" xmlns:p="http://schemas.openxmlformats.org/presentationml/2006/main">
   <p:cSld>
     <p:spTree>
@@ -19063,7 +18909,7 @@
             <a:fld id="{DF92A6B5-0D7C-48A8-B49A-953CF10F77E3}" type="slidenum">
               <a:rPr lang="en-US" smtClean="0"/>
               <a:pPr/>
-              <a:t>36</a:t>
+              <a:t>35</a:t>
             </a:fld>
             <a:endParaRPr lang="en-US"/>
           </a:p>
@@ -19503,7 +19349,7 @@
 </p:sld>
 </file>
 
-<file path=ppt/slides/slide37.xml><?xml version="1.0" encoding="utf-8"?>
+<file path=ppt/slides/slide36.xml><?xml version="1.0" encoding="utf-8"?>
 <p:sld xmlns:a="http://schemas.openxmlformats.org/drawingml/2006/main" xmlns:r="http://schemas.openxmlformats.org/officeDocument/2006/relationships" xmlns:p="http://schemas.openxmlformats.org/presentationml/2006/main">
   <p:cSld>
     <p:spTree>
@@ -19812,7 +19658,7 @@
             <a:fld id="{DF92A6B5-0D7C-48A8-B49A-953CF10F77E3}" type="slidenum">
               <a:rPr lang="en-US" smtClean="0"/>
               <a:pPr/>
-              <a:t>37</a:t>
+              <a:t>36</a:t>
             </a:fld>
             <a:endParaRPr lang="en-US"/>
           </a:p>
@@ -20094,7 +19940,7 @@
 </p:sld>
 </file>
 
-<file path=ppt/slides/slide38.xml><?xml version="1.0" encoding="utf-8"?>
+<file path=ppt/slides/slide37.xml><?xml version="1.0" encoding="utf-8"?>
 <p:sld xmlns:a="http://schemas.openxmlformats.org/drawingml/2006/main" xmlns:r="http://schemas.openxmlformats.org/officeDocument/2006/relationships" xmlns:p="http://schemas.openxmlformats.org/presentationml/2006/main">
   <p:cSld>
     <p:spTree>
@@ -20385,7 +20231,7 @@
             <a:fld id="{DF92A6B5-0D7C-48A8-B49A-953CF10F77E3}" type="slidenum">
               <a:rPr lang="en-US" smtClean="0"/>
               <a:pPr/>
-              <a:t>38</a:t>
+              <a:t>37</a:t>
             </a:fld>
             <a:endParaRPr lang="en-US"/>
           </a:p>
@@ -20838,7 +20684,7 @@
 </p:sld>
 </file>
 
-<file path=ppt/slides/slide39.xml><?xml version="1.0" encoding="utf-8"?>
+<file path=ppt/slides/slide38.xml><?xml version="1.0" encoding="utf-8"?>
 <p:sld xmlns:a="http://schemas.openxmlformats.org/drawingml/2006/main" xmlns:r="http://schemas.openxmlformats.org/officeDocument/2006/relationships" xmlns:p="http://schemas.openxmlformats.org/presentationml/2006/main">
   <p:cSld>
     <p:spTree>
@@ -20874,13 +20720,7 @@
               <a:rPr lang="en-US" dirty="0">
                 <a:hlinkClick r:id="rId2" action="ppaction://hlinkfile"/>
               </a:rPr>
-              <a:t>DB-WS0</a:t>
-            </a:r>
-            <a:r>
-              <a:rPr lang="en-US" dirty="0">
-                <a:hlinkClick r:id="rId2" action="ppaction://hlinkfile"/>
-              </a:rPr>
-              <a:t>1b.ipynb</a:t>
+              <a:t>DB-WS01b.ipynb</a:t>
             </a:r>
             <a:endParaRPr lang="en-US" dirty="0"/>
           </a:p>
@@ -20903,7 +20743,7 @@
           <a:p>
             <a:fld id="{40A01959-B587-3B45-A9B3-C17F42F09305}" type="slidenum">
               <a:rPr lang="en-US" smtClean="0"/>
-              <a:t>39</a:t>
+              <a:t>38</a:t>
             </a:fld>
             <a:endParaRPr lang="en-US"/>
           </a:p>
@@ -21031,7 +20871,7 @@
 </p:sld>
 </file>
 
-<file path=ppt/slides/slide4.xml><?xml version="1.0" encoding="utf-8"?>
+<file path=ppt/slides/slide39.xml><?xml version="1.0" encoding="utf-8"?>
 <p:sld xmlns:a="http://schemas.openxmlformats.org/drawingml/2006/main" xmlns:r="http://schemas.openxmlformats.org/officeDocument/2006/relationships" xmlns:p="http://schemas.openxmlformats.org/presentationml/2006/main">
   <p:cSld>
     <p:spTree>
@@ -21065,109 +20905,29 @@
           <a:p>
             <a:r>
               <a:rPr lang="en-US" dirty="0"/>
-              <a:t>When you’ll use this material</a:t>
-            </a:r>
-          </a:p>
-        </p:txBody>
-      </p:sp>
-      <p:sp>
-        <p:nvSpPr>
-          <p:cNvPr id="3" name="Content Placeholder 2"/>
+              <a:t>3. Overview of DBMS topics</a:t>
+            </a:r>
+          </a:p>
+        </p:txBody>
+      </p:sp>
+      <p:sp>
+        <p:nvSpPr>
+          <p:cNvPr id="3" name="Text Placeholder 2"/>
           <p:cNvSpPr>
             <a:spLocks noGrp="1"/>
           </p:cNvSpPr>
           <p:nvPr>
-            <p:ph idx="1"/>
+            <p:ph type="body" idx="1"/>
           </p:nvPr>
         </p:nvSpPr>
         <p:spPr/>
         <p:txBody>
-          <a:bodyPr>
-            <a:normAutofit lnSpcReduction="10000"/>
-          </a:bodyPr>
-          <a:lstStyle/>
-          <a:p>
-            <a:r>
-              <a:rPr lang="en-US" dirty="0">
-                <a:latin typeface="+mj-lt"/>
-              </a:rPr>
-              <a:t>Building almost any software application</a:t>
-            </a:r>
-          </a:p>
-          <a:p>
-            <a:pPr lvl="1"/>
-            <a:r>
-              <a:rPr lang="en-US" dirty="0">
-                <a:latin typeface="+mj-lt"/>
-              </a:rPr>
-              <a:t>e.g., mobile, cloud, consumer, enterprise, analytics, machine learning</a:t>
-            </a:r>
-          </a:p>
-          <a:p>
-            <a:pPr lvl="1"/>
-            <a:r>
-              <a:rPr lang="en-US" dirty="0">
-                <a:latin typeface="+mj-lt"/>
-              </a:rPr>
-              <a:t>Corollary: every application you use uses a database</a:t>
-            </a:r>
-          </a:p>
-          <a:p>
-            <a:pPr lvl="1"/>
-            <a:r>
-              <a:rPr lang="en-US" dirty="0">
-                <a:latin typeface="+mj-lt"/>
-              </a:rPr>
-              <a:t>Bonus: every program consumes data (even if only the program text!)			</a:t>
-            </a:r>
-          </a:p>
-          <a:p>
-            <a:r>
-              <a:rPr lang="en-US" dirty="0">
-                <a:latin typeface="+mj-lt"/>
-              </a:rPr>
-              <a:t>Performing data analytics</a:t>
-            </a:r>
-          </a:p>
-          <a:p>
-            <a:pPr lvl="1"/>
-            <a:r>
-              <a:rPr lang="en-US" dirty="0">
-                <a:latin typeface="+mj-lt"/>
-              </a:rPr>
-              <a:t>Business intelligence, data science, predictive modeling</a:t>
-            </a:r>
-          </a:p>
-          <a:p>
-            <a:pPr lvl="1"/>
-            <a:r>
-              <a:rPr lang="en-US" dirty="0">
-                <a:latin typeface="+mj-lt"/>
-              </a:rPr>
-              <a:t>(Even if you’re using Pandas, you’re using relational algebra!)</a:t>
-            </a:r>
-          </a:p>
-          <a:p>
-            <a:pPr lvl="1"/>
-            <a:endParaRPr lang="en-US" dirty="0">
-              <a:latin typeface="+mj-lt"/>
-            </a:endParaRPr>
-          </a:p>
-          <a:p>
-            <a:r>
-              <a:rPr lang="en-US" dirty="0">
-                <a:latin typeface="+mj-lt"/>
-              </a:rPr>
-              <a:t>Building data-intensive tools and applications</a:t>
-            </a:r>
-          </a:p>
-          <a:p>
-            <a:pPr lvl="1"/>
-            <a:r>
-              <a:rPr lang="en-US" dirty="0">
-                <a:latin typeface="+mj-lt"/>
-              </a:rPr>
-              <a:t>Many core concepts power deep learning frameworks to self-driving cars</a:t>
+          <a:bodyPr/>
+          <a:lstStyle/>
+          <a:p>
+            <a:r>
+              <a:rPr lang="en-US" dirty="0"/>
+              <a:t>Key concepts &amp; challenges</a:t>
             </a:r>
           </a:p>
         </p:txBody>
@@ -21189,104 +20949,7 @@
           <a:p>
             <a:fld id="{40A01959-B587-3B45-A9B3-C17F42F09305}" type="slidenum">
               <a:rPr lang="en-US" smtClean="0"/>
-              <a:t>4</a:t>
-            </a:fld>
-            <a:endParaRPr lang="en-US"/>
-          </a:p>
-        </p:txBody>
-      </p:sp>
-    </p:spTree>
-    <p:extLst>
-      <p:ext uri="{BB962C8B-B14F-4D97-AF65-F5344CB8AC3E}">
-        <p14:creationId xmlns:p14="http://schemas.microsoft.com/office/powerpoint/2010/main" val="217438160"/>
-      </p:ext>
-    </p:extLst>
-  </p:cSld>
-  <p:clrMapOvr>
-    <a:masterClrMapping/>
-  </p:clrMapOvr>
-</p:sld>
-</file>
-
-<file path=ppt/slides/slide40.xml><?xml version="1.0" encoding="utf-8"?>
-<p:sld xmlns:a="http://schemas.openxmlformats.org/drawingml/2006/main" xmlns:r="http://schemas.openxmlformats.org/officeDocument/2006/relationships" xmlns:p="http://schemas.openxmlformats.org/presentationml/2006/main">
-  <p:cSld>
-    <p:spTree>
-      <p:nvGrpSpPr>
-        <p:cNvPr id="1" name=""/>
-        <p:cNvGrpSpPr/>
-        <p:nvPr/>
-      </p:nvGrpSpPr>
-      <p:grpSpPr>
-        <a:xfrm>
-          <a:off x="0" y="0"/>
-          <a:ext cx="0" cy="0"/>
-          <a:chOff x="0" y="0"/>
-          <a:chExt cx="0" cy="0"/>
-        </a:xfrm>
-      </p:grpSpPr>
-      <p:sp>
-        <p:nvSpPr>
-          <p:cNvPr id="2" name="Title 1"/>
-          <p:cNvSpPr>
-            <a:spLocks noGrp="1"/>
-          </p:cNvSpPr>
-          <p:nvPr>
-            <p:ph type="title"/>
-          </p:nvPr>
-        </p:nvSpPr>
-        <p:spPr/>
-        <p:txBody>
-          <a:bodyPr/>
-          <a:lstStyle/>
-          <a:p>
-            <a:r>
-              <a:rPr lang="en-US" dirty="0"/>
-              <a:t>3. Overview of DBMS topics</a:t>
-            </a:r>
-          </a:p>
-        </p:txBody>
-      </p:sp>
-      <p:sp>
-        <p:nvSpPr>
-          <p:cNvPr id="3" name="Text Placeholder 2"/>
-          <p:cNvSpPr>
-            <a:spLocks noGrp="1"/>
-          </p:cNvSpPr>
-          <p:nvPr>
-            <p:ph type="body" idx="1"/>
-          </p:nvPr>
-        </p:nvSpPr>
-        <p:spPr/>
-        <p:txBody>
-          <a:bodyPr/>
-          <a:lstStyle/>
-          <a:p>
-            <a:r>
-              <a:rPr lang="en-US" dirty="0"/>
-              <a:t>Key concepts &amp; challenges</a:t>
-            </a:r>
-          </a:p>
-        </p:txBody>
-      </p:sp>
-      <p:sp>
-        <p:nvSpPr>
-          <p:cNvPr id="4" name="Slide Number Placeholder 3"/>
-          <p:cNvSpPr>
-            <a:spLocks noGrp="1"/>
-          </p:cNvSpPr>
-          <p:nvPr>
-            <p:ph type="sldNum" sz="quarter" idx="12"/>
-          </p:nvPr>
-        </p:nvSpPr>
-        <p:spPr/>
-        <p:txBody>
-          <a:bodyPr/>
-          <a:lstStyle/>
-          <a:p>
-            <a:fld id="{40A01959-B587-3B45-A9B3-C17F42F09305}" type="slidenum">
-              <a:rPr lang="en-US" smtClean="0"/>
-              <a:t>40</a:t>
+              <a:t>39</a:t>
             </a:fld>
             <a:endParaRPr lang="en-US"/>
           </a:p>
@@ -21411,7 +21074,7 @@
 </p:sld>
 </file>
 
-<file path=ppt/slides/slide41.xml><?xml version="1.0" encoding="utf-8"?>
+<file path=ppt/slides/slide4.xml><?xml version="1.0" encoding="utf-8"?>
 <p:sld xmlns:a="http://schemas.openxmlformats.org/drawingml/2006/main" xmlns:r="http://schemas.openxmlformats.org/officeDocument/2006/relationships" xmlns:p="http://schemas.openxmlformats.org/presentationml/2006/main">
   <p:cSld>
     <p:spTree>
@@ -21445,6 +21108,183 @@
           <a:p>
             <a:r>
               <a:rPr lang="en-US" dirty="0"/>
+              <a:t>When you’ll use this material</a:t>
+            </a:r>
+          </a:p>
+        </p:txBody>
+      </p:sp>
+      <p:sp>
+        <p:nvSpPr>
+          <p:cNvPr id="3" name="Content Placeholder 2"/>
+          <p:cNvSpPr>
+            <a:spLocks noGrp="1"/>
+          </p:cNvSpPr>
+          <p:nvPr>
+            <p:ph idx="1"/>
+          </p:nvPr>
+        </p:nvSpPr>
+        <p:spPr/>
+        <p:txBody>
+          <a:bodyPr>
+            <a:normAutofit lnSpcReduction="10000"/>
+          </a:bodyPr>
+          <a:lstStyle/>
+          <a:p>
+            <a:r>
+              <a:rPr lang="en-US" dirty="0">
+                <a:latin typeface="+mj-lt"/>
+              </a:rPr>
+              <a:t>Building almost any software application</a:t>
+            </a:r>
+          </a:p>
+          <a:p>
+            <a:pPr lvl="1"/>
+            <a:r>
+              <a:rPr lang="en-US" dirty="0">
+                <a:latin typeface="+mj-lt"/>
+              </a:rPr>
+              <a:t>e.g., mobile, cloud, consumer, enterprise, analytics, machine learning</a:t>
+            </a:r>
+          </a:p>
+          <a:p>
+            <a:pPr lvl="1"/>
+            <a:r>
+              <a:rPr lang="en-US" dirty="0">
+                <a:latin typeface="+mj-lt"/>
+              </a:rPr>
+              <a:t>Corollary: every application you use uses a database</a:t>
+            </a:r>
+          </a:p>
+          <a:p>
+            <a:pPr lvl="1"/>
+            <a:r>
+              <a:rPr lang="en-US" dirty="0">
+                <a:latin typeface="+mj-lt"/>
+              </a:rPr>
+              <a:t>Bonus: every program consumes data (even if only the program text!)			</a:t>
+            </a:r>
+          </a:p>
+          <a:p>
+            <a:r>
+              <a:rPr lang="en-US" dirty="0">
+                <a:latin typeface="+mj-lt"/>
+              </a:rPr>
+              <a:t>Performing data analytics</a:t>
+            </a:r>
+          </a:p>
+          <a:p>
+            <a:pPr lvl="1"/>
+            <a:r>
+              <a:rPr lang="en-US" dirty="0">
+                <a:latin typeface="+mj-lt"/>
+              </a:rPr>
+              <a:t>Business intelligence, data science, predictive modeling</a:t>
+            </a:r>
+          </a:p>
+          <a:p>
+            <a:pPr lvl="1"/>
+            <a:r>
+              <a:rPr lang="en-US" dirty="0">
+                <a:latin typeface="+mj-lt"/>
+              </a:rPr>
+              <a:t>(Even if you’re using Pandas, you’re using relational algebra!)</a:t>
+            </a:r>
+          </a:p>
+          <a:p>
+            <a:pPr lvl="1"/>
+            <a:endParaRPr lang="en-US" dirty="0">
+              <a:latin typeface="+mj-lt"/>
+            </a:endParaRPr>
+          </a:p>
+          <a:p>
+            <a:r>
+              <a:rPr lang="en-US" dirty="0">
+                <a:latin typeface="+mj-lt"/>
+              </a:rPr>
+              <a:t>Building data-intensive tools and applications</a:t>
+            </a:r>
+          </a:p>
+          <a:p>
+            <a:pPr lvl="1"/>
+            <a:r>
+              <a:rPr lang="en-US" dirty="0">
+                <a:latin typeface="+mj-lt"/>
+              </a:rPr>
+              <a:t>Many core concepts power deep learning frameworks to self-driving cars</a:t>
+            </a:r>
+          </a:p>
+        </p:txBody>
+      </p:sp>
+      <p:sp>
+        <p:nvSpPr>
+          <p:cNvPr id="4" name="Slide Number Placeholder 3"/>
+          <p:cNvSpPr>
+            <a:spLocks noGrp="1"/>
+          </p:cNvSpPr>
+          <p:nvPr>
+            <p:ph type="sldNum" sz="quarter" idx="12"/>
+          </p:nvPr>
+        </p:nvSpPr>
+        <p:spPr/>
+        <p:txBody>
+          <a:bodyPr/>
+          <a:lstStyle/>
+          <a:p>
+            <a:fld id="{40A01959-B587-3B45-A9B3-C17F42F09305}" type="slidenum">
+              <a:rPr lang="en-US" smtClean="0"/>
+              <a:t>4</a:t>
+            </a:fld>
+            <a:endParaRPr lang="en-US"/>
+          </a:p>
+        </p:txBody>
+      </p:sp>
+    </p:spTree>
+    <p:extLst>
+      <p:ext uri="{BB962C8B-B14F-4D97-AF65-F5344CB8AC3E}">
+        <p14:creationId xmlns:p14="http://schemas.microsoft.com/office/powerpoint/2010/main" val="217438160"/>
+      </p:ext>
+    </p:extLst>
+  </p:cSld>
+  <p:clrMapOvr>
+    <a:masterClrMapping/>
+  </p:clrMapOvr>
+</p:sld>
+</file>
+
+<file path=ppt/slides/slide40.xml><?xml version="1.0" encoding="utf-8"?>
+<p:sld xmlns:a="http://schemas.openxmlformats.org/drawingml/2006/main" xmlns:r="http://schemas.openxmlformats.org/officeDocument/2006/relationships" xmlns:p="http://schemas.openxmlformats.org/presentationml/2006/main">
+  <p:cSld>
+    <p:spTree>
+      <p:nvGrpSpPr>
+        <p:cNvPr id="1" name=""/>
+        <p:cNvGrpSpPr/>
+        <p:nvPr/>
+      </p:nvGrpSpPr>
+      <p:grpSpPr>
+        <a:xfrm>
+          <a:off x="0" y="0"/>
+          <a:ext cx="0" cy="0"/>
+          <a:chOff x="0" y="0"/>
+          <a:chExt cx="0" cy="0"/>
+        </a:xfrm>
+      </p:grpSpPr>
+      <p:sp>
+        <p:nvSpPr>
+          <p:cNvPr id="2" name="Title 1"/>
+          <p:cNvSpPr>
+            <a:spLocks noGrp="1"/>
+          </p:cNvSpPr>
+          <p:nvPr>
+            <p:ph type="title"/>
+          </p:nvPr>
+        </p:nvSpPr>
+        <p:spPr/>
+        <p:txBody>
+          <a:bodyPr/>
+          <a:lstStyle/>
+          <a:p>
+            <a:r>
+              <a:rPr lang="en-US" dirty="0"/>
               <a:t>What you will learn about in this section</a:t>
             </a:r>
           </a:p>
@@ -21559,7 +21399,7 @@
             <a:fld id="{DF92A6B5-0D7C-48A8-B49A-953CF10F77E3}" type="slidenum">
               <a:rPr lang="en-US" smtClean="0"/>
               <a:pPr/>
-              <a:t>41</a:t>
+              <a:t>40</a:t>
             </a:fld>
             <a:endParaRPr lang="en-US"/>
           </a:p>
@@ -21684,7 +21524,7 @@
 </p:sld>
 </file>
 
-<file path=ppt/slides/slide42.xml><?xml version="1.0" encoding="utf-8"?>
+<file path=ppt/slides/slide41.xml><?xml version="1.0" encoding="utf-8"?>
 <p:sld xmlns:a="http://schemas.openxmlformats.org/drawingml/2006/main" xmlns:r="http://schemas.openxmlformats.org/officeDocument/2006/relationships" xmlns:p="http://schemas.openxmlformats.org/presentationml/2006/main">
   <p:cSld>
     <p:spTree>
@@ -21888,7 +21728,7 @@
             <a:fld id="{DF92A6B5-0D7C-48A8-B49A-953CF10F77E3}" type="slidenum">
               <a:rPr lang="en-US" smtClean="0"/>
               <a:pPr/>
-              <a:t>42</a:t>
+              <a:t>41</a:t>
             </a:fld>
             <a:endParaRPr lang="en-US"/>
           </a:p>
@@ -22451,7 +22291,7 @@
 </p:sld>
 </file>
 
-<file path=ppt/slides/slide43.xml><?xml version="1.0" encoding="utf-8"?>
+<file path=ppt/slides/slide42.xml><?xml version="1.0" encoding="utf-8"?>
 <p:sld xmlns:a="http://schemas.openxmlformats.org/drawingml/2006/main" xmlns:r="http://schemas.openxmlformats.org/officeDocument/2006/relationships" xmlns:p="http://schemas.openxmlformats.org/presentationml/2006/main">
   <p:cSld>
     <p:spTree>
@@ -22634,7 +22474,7 @@
             <a:fld id="{DF92A6B5-0D7C-48A8-B49A-953CF10F77E3}" type="slidenum">
               <a:rPr lang="en-US" smtClean="0"/>
               <a:pPr/>
-              <a:t>43</a:t>
+              <a:t>42</a:t>
             </a:fld>
             <a:endParaRPr lang="en-US" dirty="0"/>
           </a:p>
@@ -23548,7 +23388,7 @@
 </p:sld>
 </file>
 
-<file path=ppt/slides/slide44.xml><?xml version="1.0" encoding="utf-8"?>
+<file path=ppt/slides/slide43.xml><?xml version="1.0" encoding="utf-8"?>
 <p:sld xmlns:a="http://schemas.openxmlformats.org/drawingml/2006/main" xmlns:r="http://schemas.openxmlformats.org/officeDocument/2006/relationships" xmlns:p="http://schemas.openxmlformats.org/presentationml/2006/main">
   <p:cSld>
     <p:spTree>
@@ -23771,7 +23611,7 @@
             <a:fld id="{DF92A6B5-0D7C-48A8-B49A-953CF10F77E3}" type="slidenum">
               <a:rPr lang="en-US" smtClean="0"/>
               <a:pPr/>
-              <a:t>44</a:t>
+              <a:t>43</a:t>
             </a:fld>
             <a:endParaRPr lang="en-US" dirty="0"/>
           </a:p>
@@ -24299,7 +24139,7 @@
 </p:sld>
 </file>
 
-<file path=ppt/slides/slide45.xml><?xml version="1.0" encoding="utf-8"?>
+<file path=ppt/slides/slide44.xml><?xml version="1.0" encoding="utf-8"?>
 <p:sld xmlns:a="http://schemas.openxmlformats.org/drawingml/2006/main" xmlns:r="http://schemas.openxmlformats.org/officeDocument/2006/relationships" xmlns:p="http://schemas.openxmlformats.org/presentationml/2006/main">
   <p:cSld>
     <p:spTree>
@@ -24603,7 +24443,7 @@
             <a:fld id="{DF92A6B5-0D7C-48A8-B49A-953CF10F77E3}" type="slidenum">
               <a:rPr lang="en-US" smtClean="0"/>
               <a:pPr/>
-              <a:t>45</a:t>
+              <a:t>44</a:t>
             </a:fld>
             <a:endParaRPr lang="en-US" dirty="0"/>
           </a:p>
@@ -25283,7 +25123,7 @@
 </p:sld>
 </file>
 
-<file path=ppt/slides/slide46.xml><?xml version="1.0" encoding="utf-8"?>
+<file path=ppt/slides/slide45.xml><?xml version="1.0" encoding="utf-8"?>
 <p:sld xmlns:a="http://schemas.openxmlformats.org/drawingml/2006/main" xmlns:r="http://schemas.openxmlformats.org/officeDocument/2006/relationships" xmlns:p="http://schemas.openxmlformats.org/presentationml/2006/main">
   <p:cSld>
     <p:spTree>
@@ -25479,7 +25319,7 @@
             <a:fld id="{DF92A6B5-0D7C-48A8-B49A-953CF10F77E3}" type="slidenum">
               <a:rPr lang="en-US" smtClean="0"/>
               <a:pPr/>
-              <a:t>46</a:t>
+              <a:t>45</a:t>
             </a:fld>
             <a:endParaRPr lang="en-US" dirty="0"/>
           </a:p>
@@ -26001,7 +25841,7 @@
 </p:sld>
 </file>
 
-<file path=ppt/slides/slide47.xml><?xml version="1.0" encoding="utf-8"?>
+<file path=ppt/slides/slide46.xml><?xml version="1.0" encoding="utf-8"?>
 <p:sld xmlns:a="http://schemas.openxmlformats.org/drawingml/2006/main" xmlns:r="http://schemas.openxmlformats.org/officeDocument/2006/relationships" xmlns:p="http://schemas.openxmlformats.org/presentationml/2006/main">
   <p:cSld>
     <p:spTree>
@@ -26186,7 +26026,7 @@
             <a:fld id="{DF92A6B5-0D7C-48A8-B49A-953CF10F77E3}" type="slidenum">
               <a:rPr lang="en-US" smtClean="0"/>
               <a:pPr/>
-              <a:t>47</a:t>
+              <a:t>46</a:t>
             </a:fld>
             <a:endParaRPr lang="en-US"/>
           </a:p>
@@ -26606,7 +26446,7 @@
 </p:sld>
 </file>
 
-<file path=ppt/slides/slide48.xml><?xml version="1.0" encoding="utf-8"?>
+<file path=ppt/slides/slide47.xml><?xml version="1.0" encoding="utf-8"?>
 <p:sld xmlns:a="http://schemas.openxmlformats.org/drawingml/2006/main" xmlns:r="http://schemas.openxmlformats.org/officeDocument/2006/relationships" xmlns:p="http://schemas.openxmlformats.org/presentationml/2006/main">
   <p:cSld>
     <p:spTree>
@@ -26721,7 +26561,7 @@
             <a:fld id="{DF92A6B5-0D7C-48A8-B49A-953CF10F77E3}" type="slidenum">
               <a:rPr lang="en-US" smtClean="0"/>
               <a:pPr/>
-              <a:t>48</a:t>
+              <a:t>47</a:t>
             </a:fld>
             <a:endParaRPr lang="en-US"/>
           </a:p>

--- a/Day01/Day01_Intro.pptx
+++ b/Day01/Day01_Intro.pptx
@@ -309,7 +309,7 @@
           <a:p>
             <a:fld id="{ADB8A9A7-2F8A-8542-A5B3-1DCBE9DCB46D}" type="datetimeFigureOut">
               <a:rPr lang="en-US" smtClean="0"/>
-              <a:t>9/4/18</a:t>
+              <a:t>9/6/18</a:t>
             </a:fld>
             <a:endParaRPr lang="en-US"/>
           </a:p>
@@ -3396,7 +3396,7 @@
           <a:p>
             <a:fld id="{C7F75508-BB0A-464D-ADEF-3A0075ABE227}" type="datetime1">
               <a:rPr lang="en-US" smtClean="0"/>
-              <a:t>9/4/18</a:t>
+              <a:t>9/6/18</a:t>
             </a:fld>
             <a:endParaRPr lang="en-US"/>
           </a:p>
@@ -3564,7 +3564,7 @@
           <a:p>
             <a:fld id="{C16159A3-DF54-4C46-A244-9A1C3258A5D5}" type="datetime1">
               <a:rPr lang="en-US" smtClean="0"/>
-              <a:t>9/4/18</a:t>
+              <a:t>9/6/18</a:t>
             </a:fld>
             <a:endParaRPr lang="en-US"/>
           </a:p>
@@ -3742,7 +3742,7 @@
           <a:p>
             <a:fld id="{B3E23A13-4A4C-C245-A282-B82029FF14A9}" type="datetime1">
               <a:rPr lang="en-US" smtClean="0"/>
-              <a:t>9/4/18</a:t>
+              <a:t>9/6/18</a:t>
             </a:fld>
             <a:endParaRPr lang="en-US"/>
           </a:p>
@@ -3910,7 +3910,7 @@
           <a:p>
             <a:fld id="{F1FDBABF-E9B9-0B48-88BB-0E26979FE3C3}" type="datetime1">
               <a:rPr lang="en-US" smtClean="0"/>
-              <a:t>9/4/18</a:t>
+              <a:t>9/6/18</a:t>
             </a:fld>
             <a:endParaRPr lang="en-US"/>
           </a:p>
@@ -4155,7 +4155,7 @@
           <a:p>
             <a:fld id="{670FF0DC-4CC6-E74B-ADE9-A3A724E54A70}" type="datetime1">
               <a:rPr lang="en-US" smtClean="0"/>
-              <a:t>9/4/18</a:t>
+              <a:t>9/6/18</a:t>
             </a:fld>
             <a:endParaRPr lang="en-US"/>
           </a:p>
@@ -4384,7 +4384,7 @@
           <a:p>
             <a:fld id="{096CA4E7-51A4-4043-B144-32E78EB53B2F}" type="datetime1">
               <a:rPr lang="en-US" smtClean="0"/>
-              <a:t>9/4/18</a:t>
+              <a:t>9/6/18</a:t>
             </a:fld>
             <a:endParaRPr lang="en-US"/>
           </a:p>
@@ -4748,7 +4748,7 @@
           <a:p>
             <a:fld id="{BEA253EF-D8E3-0440-8139-36EEB92428E3}" type="datetime1">
               <a:rPr lang="en-US" smtClean="0"/>
-              <a:t>9/4/18</a:t>
+              <a:t>9/6/18</a:t>
             </a:fld>
             <a:endParaRPr lang="en-US"/>
           </a:p>
@@ -4865,7 +4865,7 @@
           <a:p>
             <a:fld id="{13FA77A2-9965-7C42-98E1-8D5C145B4EDB}" type="datetime1">
               <a:rPr lang="en-US" smtClean="0"/>
-              <a:t>9/4/18</a:t>
+              <a:t>9/6/18</a:t>
             </a:fld>
             <a:endParaRPr lang="en-US"/>
           </a:p>
@@ -4960,7 +4960,7 @@
           <a:p>
             <a:fld id="{6A307D39-643B-3A4B-8B1B-C9B22069A6E3}" type="datetime1">
               <a:rPr lang="en-US" smtClean="0"/>
-              <a:t>9/4/18</a:t>
+              <a:t>9/6/18</a:t>
             </a:fld>
             <a:endParaRPr lang="en-US"/>
           </a:p>
@@ -5235,7 +5235,7 @@
           <a:p>
             <a:fld id="{B2591225-698E-4144-BE2D-C0FAD87E1DE5}" type="datetime1">
               <a:rPr lang="en-US" smtClean="0"/>
-              <a:t>9/4/18</a:t>
+              <a:t>9/6/18</a:t>
             </a:fld>
             <a:endParaRPr lang="en-US"/>
           </a:p>
@@ -5487,7 +5487,7 @@
           <a:p>
             <a:fld id="{8092CE43-A1E8-1340-A845-87D6176A44FB}" type="datetime1">
               <a:rPr lang="en-US" smtClean="0"/>
-              <a:t>9/4/18</a:t>
+              <a:t>9/6/18</a:t>
             </a:fld>
             <a:endParaRPr lang="en-US"/>
           </a:p>
@@ -5698,7 +5698,7 @@
           <a:p>
             <a:fld id="{32E80DAD-0F0E-1C48-9551-E0290ADDD356}" type="datetime1">
               <a:rPr lang="en-US" smtClean="0"/>
-              <a:t>9/4/18</a:t>
+              <a:t>9/6/18</a:t>
             </a:fld>
             <a:endParaRPr lang="en-US"/>
           </a:p>
@@ -6358,13 +6358,6 @@
             <a:endParaRPr lang="en-US" dirty="0">
               <a:sym typeface="Wingdings"/>
             </a:endParaRPr>
-          </a:p>
-          <a:p>
-            <a:pPr lvl="2"/>
-            <a:r>
-              <a:rPr lang="en-US" dirty="0"/>
-              <a:t>see 245, 345, and 346.</a:t>
-            </a:r>
           </a:p>
         </p:txBody>
       </p:sp>
@@ -6731,37 +6724,6 @@
                                           <p:spTgt spid="3">
                                             <p:txEl>
                                               <p:pRg st="7" end="7"/>
-                                            </p:txEl>
-                                          </p:spTgt>
-                                        </p:tgtEl>
-                                        <p:attrNameLst>
-                                          <p:attrName>style.visibility</p:attrName>
-                                        </p:attrNameLst>
-                                      </p:cBhvr>
-                                      <p:to>
-                                        <p:strVal val="visible"/>
-                                      </p:to>
-                                    </p:set>
-                                  </p:childTnLst>
-                                </p:cTn>
-                              </p:par>
-                              <p:par>
-                                <p:cTn id="21" presetID="1" presetClass="entr" presetSubtype="0" fill="hold" grpId="0" nodeType="withEffect">
-                                  <p:stCondLst>
-                                    <p:cond delay="0"/>
-                                  </p:stCondLst>
-                                  <p:childTnLst>
-                                    <p:set>
-                                      <p:cBhvr>
-                                        <p:cTn id="22" dur="1" fill="hold">
-                                          <p:stCondLst>
-                                            <p:cond delay="0"/>
-                                          </p:stCondLst>
-                                        </p:cTn>
-                                        <p:tgtEl>
-                                          <p:spTgt spid="3">
-                                            <p:txEl>
-                                              <p:pRg st="8" end="8"/>
                                             </p:txEl>
                                           </p:spTgt>
                                         </p:tgtEl>
